--- a/exercise1/presentation/docs/Exercicio1.pptx
+++ b/exercise1/presentation/docs/Exercicio1.pptx
@@ -5,10 +5,10 @@
     <p:sldMasterId id="2147483648" r:id="rId1"/>
   </p:sldMasterIdLst>
   <p:notesMasterIdLst>
-    <p:notesMasterId r:id="rId10"/>
+    <p:notesMasterId r:id="rId11"/>
   </p:notesMasterIdLst>
   <p:handoutMasterIdLst>
-    <p:handoutMasterId r:id="rId11"/>
+    <p:handoutMasterId r:id="rId12"/>
   </p:handoutMasterIdLst>
   <p:sldIdLst>
     <p:sldId id="256" r:id="rId2"/>
@@ -18,7 +18,8 @@
     <p:sldId id="260" r:id="rId6"/>
     <p:sldId id="262" r:id="rId7"/>
     <p:sldId id="261" r:id="rId8"/>
-    <p:sldId id="263" r:id="rId9"/>
+    <p:sldId id="264" r:id="rId9"/>
+    <p:sldId id="263" r:id="rId10"/>
   </p:sldIdLst>
   <p:sldSz cx="12192000" cy="6858000"/>
   <p:notesSz cx="6858000" cy="9144000"/>
@@ -3895,7 +3896,12 @@
             <p:ph type="ctrTitle"/>
           </p:nvPr>
         </p:nvSpPr>
-        <p:spPr/>
+        <p:spPr>
+          <a:xfrm>
+            <a:off x="1423792" y="1832280"/>
+            <a:ext cx="9144000" cy="2387600"/>
+          </a:xfrm>
+        </p:spPr>
         <p:txBody>
           <a:bodyPr>
             <a:normAutofit/>
@@ -4038,10 +4044,15 @@
             <p:ph type="subTitle" idx="1"/>
           </p:nvPr>
         </p:nvSpPr>
-        <p:spPr/>
+        <p:spPr>
+          <a:xfrm>
+            <a:off x="1334022" y="4929797"/>
+            <a:ext cx="9144000" cy="1655762"/>
+          </a:xfrm>
+        </p:spPr>
         <p:txBody>
           <a:bodyPr>
-            <a:normAutofit lnSpcReduction="10000"/>
+            <a:normAutofit/>
           </a:bodyPr>
           <a:lstStyle/>
           <a:p>
@@ -4061,45 +4072,8 @@
           <a:p>
             <a:r>
               <a:rPr lang="en-US" dirty="0"/>
-              <a:t>IPT</a:t>
-            </a:r>
-          </a:p>
-          <a:p>
-            <a:r>
-              <a:rPr lang="en-US" dirty="0" err="1"/>
-              <a:t>Metodologia</a:t>
-            </a:r>
-            <a:r>
-              <a:rPr lang="en-US" dirty="0"/>
-              <a:t> da </a:t>
-            </a:r>
-            <a:r>
-              <a:rPr lang="en-US" dirty="0" err="1"/>
-              <a:t>pesquisa</a:t>
-            </a:r>
-            <a:r>
-              <a:rPr lang="en-US" dirty="0"/>
-              <a:t> – 1º Q – 2018</a:t>
-            </a:r>
-          </a:p>
-          <a:p>
-            <a:r>
-              <a:rPr lang="en-US" dirty="0"/>
-              <a:t>Prof. Dr. </a:t>
-            </a:r>
-            <a:r>
-              <a:rPr lang="en-US" dirty="0" err="1"/>
-              <a:t>Vagner</a:t>
-            </a:r>
-            <a:r>
-              <a:rPr lang="en-US" dirty="0"/>
-              <a:t> </a:t>
-            </a:r>
-            <a:r>
-              <a:rPr lang="en-US" dirty="0" err="1"/>
-              <a:t>Gava</a:t>
-            </a:r>
-            <a:endParaRPr lang="en-US" dirty="0"/>
+              <a:t>2018</a:t>
+            </a:r>
           </a:p>
         </p:txBody>
       </p:sp>
@@ -4150,6 +4124,109 @@
           </a:extLst>
         </p:spPr>
       </p:pic>
+      <p:sp>
+        <p:nvSpPr>
+          <p:cNvPr id="5" name="TextBox 4">
+            <a:extLst>
+              <a:ext uri="{FF2B5EF4-FFF2-40B4-BE49-F238E27FC236}">
+                <a16:creationId xmlns:a16="http://schemas.microsoft.com/office/drawing/2014/main" id="{741B5224-39E9-6D44-B625-090793090D0B}"/>
+              </a:ext>
+            </a:extLst>
+          </p:cNvPr>
+          <p:cNvSpPr txBox="1"/>
+          <p:nvPr/>
+        </p:nvSpPr>
+        <p:spPr>
+          <a:xfrm>
+            <a:off x="3181611" y="764088"/>
+            <a:ext cx="5448822" cy="2215991"/>
+          </a:xfrm>
+          <a:prstGeom prst="rect">
+            <a:avLst/>
+          </a:prstGeom>
+          <a:noFill/>
+        </p:spPr>
+        <p:txBody>
+          <a:bodyPr wrap="square" rtlCol="0">
+            <a:spAutoFit/>
+          </a:bodyPr>
+          <a:lstStyle/>
+          <a:p>
+            <a:pPr algn="ctr"/>
+            <a:r>
+              <a:rPr lang="en-US" sz="2400" dirty="0" err="1"/>
+              <a:t>Instituto</a:t>
+            </a:r>
+            <a:r>
+              <a:rPr lang="en-US" sz="2400" dirty="0"/>
+              <a:t> de </a:t>
+            </a:r>
+            <a:r>
+              <a:rPr lang="en-US" sz="2400" dirty="0" err="1"/>
+              <a:t>Pesquisas</a:t>
+            </a:r>
+            <a:r>
+              <a:rPr lang="en-US" sz="2400" dirty="0"/>
+              <a:t> </a:t>
+            </a:r>
+            <a:r>
+              <a:rPr lang="en-US" sz="2400" dirty="0" err="1"/>
+              <a:t>Tecnológicas</a:t>
+            </a:r>
+            <a:r>
+              <a:rPr lang="en-US" sz="2400" dirty="0"/>
+              <a:t> – IPT</a:t>
+            </a:r>
+          </a:p>
+          <a:p>
+            <a:pPr algn="ctr"/>
+            <a:endParaRPr lang="en-US" sz="2400" dirty="0"/>
+          </a:p>
+          <a:p>
+            <a:pPr algn="ctr"/>
+            <a:r>
+              <a:rPr lang="en-US" sz="2400" dirty="0" err="1"/>
+              <a:t>Metodologia</a:t>
+            </a:r>
+            <a:r>
+              <a:rPr lang="en-US" sz="2400" dirty="0"/>
+              <a:t> da </a:t>
+            </a:r>
+            <a:r>
+              <a:rPr lang="en-US" sz="2400" dirty="0" err="1"/>
+              <a:t>Pesquisa</a:t>
+            </a:r>
+            <a:endParaRPr lang="en-US" sz="2400" dirty="0"/>
+          </a:p>
+          <a:p>
+            <a:pPr algn="ctr"/>
+            <a:endParaRPr lang="en-US" sz="2400" dirty="0"/>
+          </a:p>
+          <a:p>
+            <a:pPr algn="ctr"/>
+            <a:r>
+              <a:rPr lang="en-US" sz="2400" dirty="0"/>
+              <a:t>Prof. Dr. </a:t>
+            </a:r>
+            <a:r>
+              <a:rPr lang="en-US" sz="2400" dirty="0" err="1"/>
+              <a:t>Vagner</a:t>
+            </a:r>
+            <a:r>
+              <a:rPr lang="en-US" sz="2400" dirty="0"/>
+              <a:t> </a:t>
+            </a:r>
+            <a:r>
+              <a:rPr lang="en-US" sz="2400" dirty="0" err="1"/>
+              <a:t>Gava</a:t>
+            </a:r>
+            <a:endParaRPr lang="en-US" sz="2400" dirty="0"/>
+          </a:p>
+          <a:p>
+            <a:endParaRPr lang="en-US" dirty="0"/>
+          </a:p>
+        </p:txBody>
+      </p:sp>
     </p:spTree>
     <p:extLst>
       <p:ext uri="{BB962C8B-B14F-4D97-AF65-F5344CB8AC3E}">
@@ -5816,6 +5893,573 @@
 </file>
 
 <file path=ppt/slides/slide8.xml><?xml version="1.0" encoding="utf-8"?>
+<p:sld xmlns:a="http://schemas.openxmlformats.org/drawingml/2006/main" xmlns:r="http://schemas.openxmlformats.org/officeDocument/2006/relationships" xmlns:p="http://schemas.openxmlformats.org/presentationml/2006/main">
+  <p:cSld>
+    <p:spTree>
+      <p:nvGrpSpPr>
+        <p:cNvPr id="1" name=""/>
+        <p:cNvGrpSpPr/>
+        <p:nvPr/>
+      </p:nvGrpSpPr>
+      <p:grpSpPr>
+        <a:xfrm>
+          <a:off x="0" y="0"/>
+          <a:ext cx="0" cy="0"/>
+          <a:chOff x="0" y="0"/>
+          <a:chExt cx="0" cy="0"/>
+        </a:xfrm>
+      </p:grpSpPr>
+      <p:sp>
+        <p:nvSpPr>
+          <p:cNvPr id="2" name="Title 1">
+            <a:extLst>
+              <a:ext uri="{FF2B5EF4-FFF2-40B4-BE49-F238E27FC236}">
+                <a16:creationId xmlns:a16="http://schemas.microsoft.com/office/drawing/2014/main" id="{5A3AE54C-67A1-7C4A-9CB7-871287792F90}"/>
+              </a:ext>
+            </a:extLst>
+          </p:cNvPr>
+          <p:cNvSpPr>
+            <a:spLocks noGrp="1"/>
+          </p:cNvSpPr>
+          <p:nvPr>
+            <p:ph type="title"/>
+          </p:nvPr>
+        </p:nvSpPr>
+        <p:spPr/>
+        <p:txBody>
+          <a:bodyPr/>
+          <a:lstStyle/>
+          <a:p>
+            <a:r>
+              <a:rPr lang="en-US" dirty="0" err="1"/>
+              <a:t>Fluxo</a:t>
+            </a:r>
+            <a:r>
+              <a:rPr lang="en-US" dirty="0"/>
+              <a:t> do </a:t>
+            </a:r>
+            <a:r>
+              <a:rPr lang="en-US" dirty="0" err="1"/>
+              <a:t>sistema</a:t>
+            </a:r>
+            <a:endParaRPr lang="en-US" dirty="0"/>
+          </a:p>
+        </p:txBody>
+      </p:sp>
+      <p:pic>
+        <p:nvPicPr>
+          <p:cNvPr id="4" name="Picture 2" descr="Resultado de imagem para logo ipt">
+            <a:extLst>
+              <a:ext uri="{FF2B5EF4-FFF2-40B4-BE49-F238E27FC236}">
+                <a16:creationId xmlns:a16="http://schemas.microsoft.com/office/drawing/2014/main" id="{50E295EB-FDD5-CC43-91A4-846B44810396}"/>
+              </a:ext>
+            </a:extLst>
+          </p:cNvPr>
+          <p:cNvPicPr>
+            <a:picLocks noChangeAspect="1" noChangeArrowheads="1"/>
+          </p:cNvPicPr>
+          <p:nvPr/>
+        </p:nvPicPr>
+        <p:blipFill>
+          <a:blip r:embed="rId2">
+            <a:extLst>
+              <a:ext uri="{28A0092B-C50C-407E-A947-70E740481C1C}">
+                <a14:useLocalDpi xmlns:a14="http://schemas.microsoft.com/office/drawing/2010/main" val="0"/>
+              </a:ext>
+            </a:extLst>
+          </a:blip>
+          <a:srcRect/>
+          <a:stretch>
+            <a:fillRect/>
+          </a:stretch>
+        </p:blipFill>
+        <p:spPr bwMode="auto">
+          <a:xfrm>
+            <a:off x="9668267" y="365125"/>
+            <a:ext cx="1885950" cy="914401"/>
+          </a:xfrm>
+          <a:prstGeom prst="rect">
+            <a:avLst/>
+          </a:prstGeom>
+          <a:noFill/>
+          <a:extLst>
+            <a:ext uri="{909E8E84-426E-40DD-AFC4-6F175D3DCCD1}">
+              <a14:hiddenFill xmlns:a14="http://schemas.microsoft.com/office/drawing/2010/main">
+                <a:solidFill>
+                  <a:srgbClr val="FFFFFF"/>
+                </a:solidFill>
+              </a14:hiddenFill>
+            </a:ext>
+          </a:extLst>
+        </p:spPr>
+      </p:pic>
+      <p:pic>
+        <p:nvPicPr>
+          <p:cNvPr id="21" name="Content Placeholder 20">
+            <a:extLst>
+              <a:ext uri="{FF2B5EF4-FFF2-40B4-BE49-F238E27FC236}">
+                <a16:creationId xmlns:a16="http://schemas.microsoft.com/office/drawing/2014/main" id="{AA9622A5-2D7D-1242-8DA6-F991AD1064FE}"/>
+              </a:ext>
+            </a:extLst>
+          </p:cNvPr>
+          <p:cNvPicPr>
+            <a:picLocks noGrp="1" noChangeAspect="1"/>
+          </p:cNvPicPr>
+          <p:nvPr>
+            <p:ph idx="1"/>
+          </p:nvPr>
+        </p:nvPicPr>
+        <p:blipFill>
+          <a:blip r:embed="rId3"/>
+          <a:stretch>
+            <a:fillRect/>
+          </a:stretch>
+        </p:blipFill>
+        <p:spPr>
+          <a:xfrm>
+            <a:off x="4364489" y="2432727"/>
+            <a:ext cx="969922" cy="1390552"/>
+          </a:xfrm>
+        </p:spPr>
+      </p:pic>
+      <p:pic>
+        <p:nvPicPr>
+          <p:cNvPr id="23" name="Picture 22">
+            <a:extLst>
+              <a:ext uri="{FF2B5EF4-FFF2-40B4-BE49-F238E27FC236}">
+                <a16:creationId xmlns:a16="http://schemas.microsoft.com/office/drawing/2014/main" id="{0E39F619-86EE-1940-9100-3FEAC92CFA4F}"/>
+              </a:ext>
+            </a:extLst>
+          </p:cNvPr>
+          <p:cNvPicPr>
+            <a:picLocks noChangeAspect="1"/>
+          </p:cNvPicPr>
+          <p:nvPr/>
+        </p:nvPicPr>
+        <p:blipFill>
+          <a:blip r:embed="rId4"/>
+          <a:stretch>
+            <a:fillRect/>
+          </a:stretch>
+        </p:blipFill>
+        <p:spPr>
+          <a:xfrm rot="19969691">
+            <a:off x="5563936" y="2676808"/>
+            <a:ext cx="805971" cy="716419"/>
+          </a:xfrm>
+          <a:prstGeom prst="rect">
+            <a:avLst/>
+          </a:prstGeom>
+        </p:spPr>
+      </p:pic>
+      <p:pic>
+        <p:nvPicPr>
+          <p:cNvPr id="25" name="Picture 24">
+            <a:extLst>
+              <a:ext uri="{FF2B5EF4-FFF2-40B4-BE49-F238E27FC236}">
+                <a16:creationId xmlns:a16="http://schemas.microsoft.com/office/drawing/2014/main" id="{D3C2354E-1623-9740-88D7-DF71F56A2225}"/>
+              </a:ext>
+            </a:extLst>
+          </p:cNvPr>
+          <p:cNvPicPr>
+            <a:picLocks noChangeAspect="1"/>
+          </p:cNvPicPr>
+          <p:nvPr/>
+        </p:nvPicPr>
+        <p:blipFill>
+          <a:blip r:embed="rId5"/>
+          <a:stretch>
+            <a:fillRect/>
+          </a:stretch>
+        </p:blipFill>
+        <p:spPr>
+          <a:xfrm>
+            <a:off x="6614795" y="2490536"/>
+            <a:ext cx="1142385" cy="1047186"/>
+          </a:xfrm>
+          <a:prstGeom prst="rect">
+            <a:avLst/>
+          </a:prstGeom>
+        </p:spPr>
+      </p:pic>
+      <p:pic>
+        <p:nvPicPr>
+          <p:cNvPr id="29" name="Picture 28">
+            <a:extLst>
+              <a:ext uri="{FF2B5EF4-FFF2-40B4-BE49-F238E27FC236}">
+                <a16:creationId xmlns:a16="http://schemas.microsoft.com/office/drawing/2014/main" id="{9C5D871B-2E0E-AA41-A392-7F6B27E34961}"/>
+              </a:ext>
+            </a:extLst>
+          </p:cNvPr>
+          <p:cNvPicPr>
+            <a:picLocks noChangeAspect="1"/>
+          </p:cNvPicPr>
+          <p:nvPr/>
+        </p:nvPicPr>
+        <p:blipFill>
+          <a:blip r:embed="rId6"/>
+          <a:stretch>
+            <a:fillRect/>
+          </a:stretch>
+        </p:blipFill>
+        <p:spPr>
+          <a:xfrm>
+            <a:off x="6489015" y="4730763"/>
+            <a:ext cx="1302341" cy="1613770"/>
+          </a:xfrm>
+          <a:prstGeom prst="rect">
+            <a:avLst/>
+          </a:prstGeom>
+        </p:spPr>
+      </p:pic>
+      <p:pic>
+        <p:nvPicPr>
+          <p:cNvPr id="30" name="Picture 29">
+            <a:extLst>
+              <a:ext uri="{FF2B5EF4-FFF2-40B4-BE49-F238E27FC236}">
+                <a16:creationId xmlns:a16="http://schemas.microsoft.com/office/drawing/2014/main" id="{44B4C822-1ADC-B943-B15C-6B49951036A6}"/>
+              </a:ext>
+            </a:extLst>
+          </p:cNvPr>
+          <p:cNvPicPr>
+            <a:picLocks noChangeAspect="1"/>
+          </p:cNvPicPr>
+          <p:nvPr/>
+        </p:nvPicPr>
+        <p:blipFill>
+          <a:blip r:embed="rId4"/>
+          <a:stretch>
+            <a:fillRect/>
+          </a:stretch>
+        </p:blipFill>
+        <p:spPr>
+          <a:xfrm rot="19887244">
+            <a:off x="3208307" y="2726793"/>
+            <a:ext cx="864623" cy="768554"/>
+          </a:xfrm>
+          <a:prstGeom prst="rect">
+            <a:avLst/>
+          </a:prstGeom>
+        </p:spPr>
+      </p:pic>
+      <p:pic>
+        <p:nvPicPr>
+          <p:cNvPr id="31" name="Content Placeholder 20">
+            <a:extLst>
+              <a:ext uri="{FF2B5EF4-FFF2-40B4-BE49-F238E27FC236}">
+                <a16:creationId xmlns:a16="http://schemas.microsoft.com/office/drawing/2014/main" id="{5C6420EF-26DB-8945-8FCE-995E47EE9BAA}"/>
+              </a:ext>
+            </a:extLst>
+          </p:cNvPr>
+          <p:cNvPicPr>
+            <a:picLocks noChangeAspect="1"/>
+          </p:cNvPicPr>
+          <p:nvPr/>
+        </p:nvPicPr>
+        <p:blipFill>
+          <a:blip r:embed="rId3"/>
+          <a:stretch>
+            <a:fillRect/>
+          </a:stretch>
+        </p:blipFill>
+        <p:spPr>
+          <a:xfrm>
+            <a:off x="1946826" y="2564011"/>
+            <a:ext cx="969922" cy="1390552"/>
+          </a:xfrm>
+          <a:prstGeom prst="rect">
+            <a:avLst/>
+          </a:prstGeom>
+        </p:spPr>
+      </p:pic>
+      <p:pic>
+        <p:nvPicPr>
+          <p:cNvPr id="32" name="Picture 31">
+            <a:extLst>
+              <a:ext uri="{FF2B5EF4-FFF2-40B4-BE49-F238E27FC236}">
+                <a16:creationId xmlns:a16="http://schemas.microsoft.com/office/drawing/2014/main" id="{F0359D98-EE89-4B4C-B934-79D568CB035D}"/>
+              </a:ext>
+            </a:extLst>
+          </p:cNvPr>
+          <p:cNvPicPr>
+            <a:picLocks noChangeAspect="1"/>
+          </p:cNvPicPr>
+          <p:nvPr/>
+        </p:nvPicPr>
+        <p:blipFill>
+          <a:blip r:embed="rId4"/>
+          <a:stretch>
+            <a:fillRect/>
+          </a:stretch>
+        </p:blipFill>
+        <p:spPr>
+          <a:xfrm rot="3677634">
+            <a:off x="6737077" y="3819597"/>
+            <a:ext cx="864623" cy="768554"/>
+          </a:xfrm>
+          <a:prstGeom prst="rect">
+            <a:avLst/>
+          </a:prstGeom>
+        </p:spPr>
+      </p:pic>
+      <p:sp>
+        <p:nvSpPr>
+          <p:cNvPr id="33" name="TextBox 32">
+            <a:extLst>
+              <a:ext uri="{FF2B5EF4-FFF2-40B4-BE49-F238E27FC236}">
+                <a16:creationId xmlns:a16="http://schemas.microsoft.com/office/drawing/2014/main" id="{1BEC9AEB-10EF-894B-9D89-73DDDDDF2B3C}"/>
+              </a:ext>
+            </a:extLst>
+          </p:cNvPr>
+          <p:cNvSpPr txBox="1"/>
+          <p:nvPr/>
+        </p:nvSpPr>
+        <p:spPr>
+          <a:xfrm>
+            <a:off x="2696056" y="3581577"/>
+            <a:ext cx="2573866" cy="646331"/>
+          </a:xfrm>
+          <a:prstGeom prst="rect">
+            <a:avLst/>
+          </a:prstGeom>
+          <a:noFill/>
+        </p:spPr>
+        <p:txBody>
+          <a:bodyPr wrap="square" rtlCol="0">
+            <a:spAutoFit/>
+          </a:bodyPr>
+          <a:lstStyle/>
+          <a:p>
+            <a:r>
+              <a:rPr lang="en-US" b="1" dirty="0" err="1"/>
+              <a:t>Pré-processamento</a:t>
+            </a:r>
+            <a:r>
+              <a:rPr lang="en-US" b="1" dirty="0"/>
+              <a:t> para </a:t>
+            </a:r>
+            <a:r>
+              <a:rPr lang="en-US" b="1" dirty="0" err="1"/>
+              <a:t>extração</a:t>
+            </a:r>
+            <a:r>
+              <a:rPr lang="en-US" b="1" dirty="0"/>
+              <a:t> dos </a:t>
+            </a:r>
+            <a:r>
+              <a:rPr lang="en-US" b="1" dirty="0" err="1"/>
+              <a:t>atributos</a:t>
+            </a:r>
+            <a:endParaRPr lang="en-US" b="1" dirty="0"/>
+          </a:p>
+        </p:txBody>
+      </p:sp>
+      <p:sp>
+        <p:nvSpPr>
+          <p:cNvPr id="34" name="TextBox 33">
+            <a:extLst>
+              <a:ext uri="{FF2B5EF4-FFF2-40B4-BE49-F238E27FC236}">
+                <a16:creationId xmlns:a16="http://schemas.microsoft.com/office/drawing/2014/main" id="{87C042E5-8560-074E-AC1A-3AD225E8127A}"/>
+              </a:ext>
+            </a:extLst>
+          </p:cNvPr>
+          <p:cNvSpPr txBox="1"/>
+          <p:nvPr/>
+        </p:nvSpPr>
+        <p:spPr>
+          <a:xfrm>
+            <a:off x="7882960" y="2841393"/>
+            <a:ext cx="2573866" cy="369332"/>
+          </a:xfrm>
+          <a:prstGeom prst="rect">
+            <a:avLst/>
+          </a:prstGeom>
+          <a:noFill/>
+        </p:spPr>
+        <p:txBody>
+          <a:bodyPr wrap="square" rtlCol="0">
+            <a:spAutoFit/>
+          </a:bodyPr>
+          <a:lstStyle/>
+          <a:p>
+            <a:r>
+              <a:rPr lang="en-US" b="1" dirty="0" err="1"/>
+              <a:t>Modelo</a:t>
+            </a:r>
+            <a:r>
+              <a:rPr lang="en-US" b="1" dirty="0"/>
+              <a:t> </a:t>
+            </a:r>
+            <a:r>
+              <a:rPr lang="en-US" b="1" dirty="0" err="1"/>
+              <a:t>treinado</a:t>
+            </a:r>
+            <a:endParaRPr lang="en-US" b="1" dirty="0"/>
+          </a:p>
+        </p:txBody>
+      </p:sp>
+      <p:sp>
+        <p:nvSpPr>
+          <p:cNvPr id="35" name="TextBox 34">
+            <a:extLst>
+              <a:ext uri="{FF2B5EF4-FFF2-40B4-BE49-F238E27FC236}">
+                <a16:creationId xmlns:a16="http://schemas.microsoft.com/office/drawing/2014/main" id="{952D6653-285D-F048-973B-124228525292}"/>
+              </a:ext>
+            </a:extLst>
+          </p:cNvPr>
+          <p:cNvSpPr txBox="1"/>
+          <p:nvPr/>
+        </p:nvSpPr>
+        <p:spPr>
+          <a:xfrm>
+            <a:off x="510239" y="1917680"/>
+            <a:ext cx="2573866" cy="646331"/>
+          </a:xfrm>
+          <a:prstGeom prst="rect">
+            <a:avLst/>
+          </a:prstGeom>
+          <a:noFill/>
+        </p:spPr>
+        <p:txBody>
+          <a:bodyPr wrap="square" rtlCol="0">
+            <a:spAutoFit/>
+          </a:bodyPr>
+          <a:lstStyle/>
+          <a:p>
+            <a:pPr algn="ctr"/>
+            <a:r>
+              <a:rPr lang="en-US" b="1" dirty="0" err="1"/>
+              <a:t>Submissões</a:t>
+            </a:r>
+            <a:r>
+              <a:rPr lang="en-US" b="1" dirty="0"/>
+              <a:t> dos </a:t>
+            </a:r>
+            <a:r>
+              <a:rPr lang="en-US" b="1" dirty="0" err="1"/>
+              <a:t>alunos</a:t>
+            </a:r>
+            <a:endParaRPr lang="en-US" b="1" dirty="0"/>
+          </a:p>
+          <a:p>
+            <a:pPr algn="ctr"/>
+            <a:r>
+              <a:rPr lang="en-US" b="1" dirty="0" err="1"/>
+              <a:t>em</a:t>
+            </a:r>
+            <a:r>
+              <a:rPr lang="en-US" b="1" dirty="0"/>
+              <a:t> Python</a:t>
+            </a:r>
+          </a:p>
+        </p:txBody>
+      </p:sp>
+      <p:sp>
+        <p:nvSpPr>
+          <p:cNvPr id="36" name="TextBox 35">
+            <a:extLst>
+              <a:ext uri="{FF2B5EF4-FFF2-40B4-BE49-F238E27FC236}">
+                <a16:creationId xmlns:a16="http://schemas.microsoft.com/office/drawing/2014/main" id="{021675AE-620C-7847-ACC3-17DF7A90C31A}"/>
+              </a:ext>
+            </a:extLst>
+          </p:cNvPr>
+          <p:cNvSpPr txBox="1"/>
+          <p:nvPr/>
+        </p:nvSpPr>
+        <p:spPr>
+          <a:xfrm>
+            <a:off x="7452906" y="5537648"/>
+            <a:ext cx="2573866" cy="369332"/>
+          </a:xfrm>
+          <a:prstGeom prst="rect">
+            <a:avLst/>
+          </a:prstGeom>
+          <a:noFill/>
+        </p:spPr>
+        <p:txBody>
+          <a:bodyPr wrap="square" rtlCol="0">
+            <a:spAutoFit/>
+          </a:bodyPr>
+          <a:lstStyle/>
+          <a:p>
+            <a:pPr algn="ctr"/>
+            <a:r>
+              <a:rPr lang="en-US" b="1" dirty="0" err="1"/>
+              <a:t>Resposta</a:t>
+            </a:r>
+            <a:endParaRPr lang="en-US" b="1" dirty="0"/>
+          </a:p>
+        </p:txBody>
+      </p:sp>
+      <p:sp>
+        <p:nvSpPr>
+          <p:cNvPr id="37" name="TextBox 36">
+            <a:extLst>
+              <a:ext uri="{FF2B5EF4-FFF2-40B4-BE49-F238E27FC236}">
+                <a16:creationId xmlns:a16="http://schemas.microsoft.com/office/drawing/2014/main" id="{CDD587DF-64B1-8247-9271-427469D3F94F}"/>
+              </a:ext>
+            </a:extLst>
+          </p:cNvPr>
+          <p:cNvSpPr txBox="1"/>
+          <p:nvPr/>
+        </p:nvSpPr>
+        <p:spPr>
+          <a:xfrm>
+            <a:off x="510239" y="5722314"/>
+            <a:ext cx="4759683" cy="646331"/>
+          </a:xfrm>
+          <a:prstGeom prst="rect">
+            <a:avLst/>
+          </a:prstGeom>
+          <a:noFill/>
+        </p:spPr>
+        <p:txBody>
+          <a:bodyPr wrap="square" rtlCol="0">
+            <a:spAutoFit/>
+          </a:bodyPr>
+          <a:lstStyle/>
+          <a:p>
+            <a:r>
+              <a:rPr lang="en-US" i="1" dirty="0" err="1"/>
+              <a:t>Adaptação</a:t>
+            </a:r>
+            <a:r>
+              <a:rPr lang="en-US" i="1" dirty="0"/>
+              <a:t> da </a:t>
+            </a:r>
+            <a:r>
+              <a:rPr lang="en-US" i="1" dirty="0" err="1"/>
+              <a:t>Figura</a:t>
+            </a:r>
+            <a:r>
+              <a:rPr lang="en-US" i="1" dirty="0"/>
+              <a:t> 2 do </a:t>
+            </a:r>
+            <a:r>
+              <a:rPr lang="en-US" i="1" dirty="0" err="1"/>
+              <a:t>artigo</a:t>
+            </a:r>
+            <a:r>
+              <a:rPr lang="en-US" i="1" dirty="0"/>
+              <a:t> de Bhatia (2016)</a:t>
+            </a:r>
+          </a:p>
+        </p:txBody>
+      </p:sp>
+    </p:spTree>
+    <p:extLst>
+      <p:ext uri="{BB962C8B-B14F-4D97-AF65-F5344CB8AC3E}">
+        <p14:creationId xmlns:p14="http://schemas.microsoft.com/office/powerpoint/2010/main" val="3420152451"/>
+      </p:ext>
+    </p:extLst>
+  </p:cSld>
+  <p:clrMapOvr>
+    <a:masterClrMapping/>
+  </p:clrMapOvr>
+</p:sld>
+</file>
+
+<file path=ppt/slides/slide9.xml><?xml version="1.0" encoding="utf-8"?>
 <p:sld xmlns:a="http://schemas.openxmlformats.org/drawingml/2006/main" xmlns:r="http://schemas.openxmlformats.org/officeDocument/2006/relationships" xmlns:p="http://schemas.openxmlformats.org/presentationml/2006/main">
   <p:cSld>
     <p:spTree>

--- a/exercise1/presentation/docs/Exercicio1.pptx
+++ b/exercise1/presentation/docs/Exercicio1.pptx
@@ -18,7 +18,7 @@
     <p:sldId id="260" r:id="rId6"/>
     <p:sldId id="262" r:id="rId7"/>
     <p:sldId id="261" r:id="rId8"/>
-    <p:sldId id="264" r:id="rId9"/>
+    <p:sldId id="265" r:id="rId9"/>
     <p:sldId id="263" r:id="rId10"/>
   </p:sldIdLst>
   <p:sldSz cx="12192000" cy="6858000"/>
@@ -220,7 +220,7 @@
           <a:p>
             <a:fld id="{98FF1703-66B5-C249-B7F1-1C15F5972029}" type="datetimeFigureOut">
               <a:rPr lang="en-US" smtClean="0"/>
-              <a:t>3/6/18</a:t>
+              <a:t>3/20/18</a:t>
             </a:fld>
             <a:endParaRPr lang="en-US"/>
           </a:p>
@@ -398,7 +398,7 @@
           <a:p>
             <a:fld id="{B87904F8-A166-1246-982B-8ABBE077CD52}" type="datetimeFigureOut">
               <a:rPr lang="en-US" smtClean="0"/>
-              <a:t>3/6/18</a:t>
+              <a:t>3/20/18</a:t>
             </a:fld>
             <a:endParaRPr lang="en-US"/>
           </a:p>
@@ -813,7 +813,7 @@
           <a:p>
             <a:fld id="{F860F8F4-B4DA-CA49-BE09-D5851EAEE1A1}" type="datetimeFigureOut">
               <a:rPr lang="en-US" smtClean="0"/>
-              <a:t>3/6/18</a:t>
+              <a:t>3/20/18</a:t>
             </a:fld>
             <a:endParaRPr lang="en-US"/>
           </a:p>
@@ -1011,7 +1011,7 @@
           <a:p>
             <a:fld id="{F860F8F4-B4DA-CA49-BE09-D5851EAEE1A1}" type="datetimeFigureOut">
               <a:rPr lang="en-US" smtClean="0"/>
-              <a:t>3/6/18</a:t>
+              <a:t>3/20/18</a:t>
             </a:fld>
             <a:endParaRPr lang="en-US"/>
           </a:p>
@@ -1219,7 +1219,7 @@
           <a:p>
             <a:fld id="{F860F8F4-B4DA-CA49-BE09-D5851EAEE1A1}" type="datetimeFigureOut">
               <a:rPr lang="en-US" smtClean="0"/>
-              <a:t>3/6/18</a:t>
+              <a:t>3/20/18</a:t>
             </a:fld>
             <a:endParaRPr lang="en-US"/>
           </a:p>
@@ -1417,7 +1417,7 @@
           <a:p>
             <a:fld id="{F860F8F4-B4DA-CA49-BE09-D5851EAEE1A1}" type="datetimeFigureOut">
               <a:rPr lang="en-US" smtClean="0"/>
-              <a:t>3/6/18</a:t>
+              <a:t>3/20/18</a:t>
             </a:fld>
             <a:endParaRPr lang="en-US"/>
           </a:p>
@@ -1692,7 +1692,7 @@
           <a:p>
             <a:fld id="{F860F8F4-B4DA-CA49-BE09-D5851EAEE1A1}" type="datetimeFigureOut">
               <a:rPr lang="en-US" smtClean="0"/>
-              <a:t>3/6/18</a:t>
+              <a:t>3/20/18</a:t>
             </a:fld>
             <a:endParaRPr lang="en-US"/>
           </a:p>
@@ -1957,7 +1957,7 @@
           <a:p>
             <a:fld id="{F860F8F4-B4DA-CA49-BE09-D5851EAEE1A1}" type="datetimeFigureOut">
               <a:rPr lang="en-US" smtClean="0"/>
-              <a:t>3/6/18</a:t>
+              <a:t>3/20/18</a:t>
             </a:fld>
             <a:endParaRPr lang="en-US"/>
           </a:p>
@@ -2369,7 +2369,7 @@
           <a:p>
             <a:fld id="{F860F8F4-B4DA-CA49-BE09-D5851EAEE1A1}" type="datetimeFigureOut">
               <a:rPr lang="en-US" smtClean="0"/>
-              <a:t>3/6/18</a:t>
+              <a:t>3/20/18</a:t>
             </a:fld>
             <a:endParaRPr lang="en-US"/>
           </a:p>
@@ -2510,7 +2510,7 @@
           <a:p>
             <a:fld id="{F860F8F4-B4DA-CA49-BE09-D5851EAEE1A1}" type="datetimeFigureOut">
               <a:rPr lang="en-US" smtClean="0"/>
-              <a:t>3/6/18</a:t>
+              <a:t>3/20/18</a:t>
             </a:fld>
             <a:endParaRPr lang="en-US"/>
           </a:p>
@@ -2623,7 +2623,7 @@
           <a:p>
             <a:fld id="{F860F8F4-B4DA-CA49-BE09-D5851EAEE1A1}" type="datetimeFigureOut">
               <a:rPr lang="en-US" smtClean="0"/>
-              <a:t>3/6/18</a:t>
+              <a:t>3/20/18</a:t>
             </a:fld>
             <a:endParaRPr lang="en-US"/>
           </a:p>
@@ -2934,7 +2934,7 @@
           <a:p>
             <a:fld id="{F860F8F4-B4DA-CA49-BE09-D5851EAEE1A1}" type="datetimeFigureOut">
               <a:rPr lang="en-US" smtClean="0"/>
-              <a:t>3/6/18</a:t>
+              <a:t>3/20/18</a:t>
             </a:fld>
             <a:endParaRPr lang="en-US"/>
           </a:p>
@@ -3222,7 +3222,7 @@
           <a:p>
             <a:fld id="{F860F8F4-B4DA-CA49-BE09-D5851EAEE1A1}" type="datetimeFigureOut">
               <a:rPr lang="en-US" smtClean="0"/>
-              <a:t>3/6/18</a:t>
+              <a:t>3/20/18</a:t>
             </a:fld>
             <a:endParaRPr lang="en-US"/>
           </a:p>
@@ -3463,7 +3463,7 @@
           <a:p>
             <a:fld id="{F860F8F4-B4DA-CA49-BE09-D5851EAEE1A1}" type="datetimeFigureOut">
               <a:rPr lang="en-US" smtClean="0"/>
-              <a:t>3/6/18</a:t>
+              <a:t>3/20/18</a:t>
             </a:fld>
             <a:endParaRPr lang="en-US"/>
           </a:p>
@@ -4791,16 +4791,31 @@
             <a:endParaRPr lang="en-US" dirty="0"/>
           </a:p>
           <a:p>
+            <a:endParaRPr lang="en-US" dirty="0"/>
+          </a:p>
+          <a:p>
             <a:r>
               <a:rPr lang="en-US" dirty="0"/>
               <a:t>Big Code</a:t>
             </a:r>
           </a:p>
           <a:p>
+            <a:endParaRPr lang="en-US" dirty="0"/>
+          </a:p>
+          <a:p>
+            <a:endParaRPr lang="en-US" dirty="0"/>
+          </a:p>
+          <a:p>
             <a:r>
               <a:rPr lang="en-US" dirty="0"/>
               <a:t>Deep learning</a:t>
             </a:r>
+          </a:p>
+          <a:p>
+            <a:pPr marL="0" indent="0">
+              <a:buNone/>
+            </a:pPr>
+            <a:endParaRPr lang="en-US" dirty="0"/>
           </a:p>
         </p:txBody>
       </p:sp>
@@ -4851,6 +4866,159 @@
           </a:extLst>
         </p:spPr>
       </p:pic>
+      <p:pic>
+        <p:nvPicPr>
+          <p:cNvPr id="6" name="Picture 5">
+            <a:extLst>
+              <a:ext uri="{FF2B5EF4-FFF2-40B4-BE49-F238E27FC236}">
+                <a16:creationId xmlns:a16="http://schemas.microsoft.com/office/drawing/2014/main" id="{F02107F6-05A0-5A43-A469-63BDF26C6EF8}"/>
+              </a:ext>
+            </a:extLst>
+          </p:cNvPr>
+          <p:cNvPicPr>
+            <a:picLocks noChangeAspect="1"/>
+          </p:cNvPicPr>
+          <p:nvPr/>
+        </p:nvPicPr>
+        <p:blipFill>
+          <a:blip r:embed="rId3"/>
+          <a:stretch>
+            <a:fillRect/>
+          </a:stretch>
+        </p:blipFill>
+        <p:spPr>
+          <a:xfrm>
+            <a:off x="1981200" y="3343756"/>
+            <a:ext cx="2095500" cy="859155"/>
+          </a:xfrm>
+          <a:prstGeom prst="rect">
+            <a:avLst/>
+          </a:prstGeom>
+        </p:spPr>
+      </p:pic>
+      <p:pic>
+        <p:nvPicPr>
+          <p:cNvPr id="8" name="Picture 7">
+            <a:extLst>
+              <a:ext uri="{FF2B5EF4-FFF2-40B4-BE49-F238E27FC236}">
+                <a16:creationId xmlns:a16="http://schemas.microsoft.com/office/drawing/2014/main" id="{2C640F74-184F-EA48-87D2-A49277FD6FC5}"/>
+              </a:ext>
+            </a:extLst>
+          </p:cNvPr>
+          <p:cNvPicPr>
+            <a:picLocks noChangeAspect="1"/>
+          </p:cNvPicPr>
+          <p:nvPr/>
+        </p:nvPicPr>
+        <p:blipFill>
+          <a:blip r:embed="rId4"/>
+          <a:stretch>
+            <a:fillRect/>
+          </a:stretch>
+        </p:blipFill>
+        <p:spPr>
+          <a:xfrm>
+            <a:off x="4514850" y="3305980"/>
+            <a:ext cx="3577942" cy="934709"/>
+          </a:xfrm>
+          <a:prstGeom prst="rect">
+            <a:avLst/>
+          </a:prstGeom>
+        </p:spPr>
+      </p:pic>
+      <p:pic>
+        <p:nvPicPr>
+          <p:cNvPr id="10" name="Picture 9">
+            <a:extLst>
+              <a:ext uri="{FF2B5EF4-FFF2-40B4-BE49-F238E27FC236}">
+                <a16:creationId xmlns:a16="http://schemas.microsoft.com/office/drawing/2014/main" id="{DD62F177-B076-3E4F-B821-48F55A8B508A}"/>
+              </a:ext>
+            </a:extLst>
+          </p:cNvPr>
+          <p:cNvPicPr>
+            <a:picLocks noChangeAspect="1"/>
+          </p:cNvPicPr>
+          <p:nvPr/>
+        </p:nvPicPr>
+        <p:blipFill>
+          <a:blip r:embed="rId5"/>
+          <a:stretch>
+            <a:fillRect/>
+          </a:stretch>
+        </p:blipFill>
+        <p:spPr>
+          <a:xfrm>
+            <a:off x="3447407" y="4500219"/>
+            <a:ext cx="3194693" cy="2237055"/>
+          </a:xfrm>
+          <a:prstGeom prst="rect">
+            <a:avLst/>
+          </a:prstGeom>
+        </p:spPr>
+      </p:pic>
+      <p:sp>
+        <p:nvSpPr>
+          <p:cNvPr id="11" name="TextBox 10">
+            <a:extLst>
+              <a:ext uri="{FF2B5EF4-FFF2-40B4-BE49-F238E27FC236}">
+                <a16:creationId xmlns:a16="http://schemas.microsoft.com/office/drawing/2014/main" id="{21951EAD-79DD-2240-B457-CDAF2EE641ED}"/>
+              </a:ext>
+            </a:extLst>
+          </p:cNvPr>
+          <p:cNvSpPr txBox="1"/>
+          <p:nvPr/>
+        </p:nvSpPr>
+        <p:spPr>
+          <a:xfrm>
+            <a:off x="6972300" y="5334000"/>
+            <a:ext cx="3187700" cy="646331"/>
+          </a:xfrm>
+          <a:prstGeom prst="rect">
+            <a:avLst/>
+          </a:prstGeom>
+          <a:noFill/>
+        </p:spPr>
+        <p:txBody>
+          <a:bodyPr wrap="square" rtlCol="0">
+            <a:spAutoFit/>
+          </a:bodyPr>
+          <a:lstStyle/>
+          <a:p>
+            <a:r>
+              <a:rPr lang="en-US" sz="1200" dirty="0" err="1"/>
+              <a:t>Crédito</a:t>
+            </a:r>
+            <a:r>
+              <a:rPr lang="en-US" sz="1200" dirty="0"/>
+              <a:t>: https://</a:t>
+            </a:r>
+            <a:r>
+              <a:rPr lang="en-US" sz="1200" dirty="0" err="1"/>
+              <a:t>www.datanami.com</a:t>
+            </a:r>
+            <a:r>
+              <a:rPr lang="en-US" sz="1200" dirty="0"/>
+              <a:t>/2017/05/10/machine-learning-deep-learning-</a:t>
+            </a:r>
+            <a:r>
+              <a:rPr lang="en-US" sz="1200" dirty="0" err="1"/>
+              <a:t>ai</a:t>
+            </a:r>
+            <a:r>
+              <a:rPr lang="en-US" sz="1200" dirty="0"/>
+              <a:t>-</a:t>
+            </a:r>
+            <a:r>
+              <a:rPr lang="en-US" sz="1200" dirty="0" err="1"/>
+              <a:t>whats</a:t>
+            </a:r>
+            <a:r>
+              <a:rPr lang="en-US" sz="1200" dirty="0"/>
+              <a:t>-difference/</a:t>
+            </a:r>
+          </a:p>
+        </p:txBody>
+      </p:sp>
     </p:spTree>
     <p:extLst>
       <p:ext uri="{BB962C8B-B14F-4D97-AF65-F5344CB8AC3E}">
@@ -5005,6 +5173,14 @@
             </a:r>
             <a:r>
               <a:rPr lang="en-US" dirty="0"/>
+              <a:t> de </a:t>
+            </a:r>
+            <a:r>
+              <a:rPr lang="en-US" dirty="0" err="1"/>
+              <a:t>lógica</a:t>
+            </a:r>
+            <a:r>
+              <a:rPr lang="en-US" dirty="0"/>
               <a:t> </a:t>
             </a:r>
             <a:r>
@@ -5029,11 +5205,44 @@
             </a:r>
             <a:r>
               <a:rPr lang="en-US" dirty="0"/>
+              <a:t>?</a:t>
+            </a:r>
+          </a:p>
+          <a:p>
+            <a:r>
+              <a:rPr lang="en-US" dirty="0" err="1"/>
+              <a:t>Pergunta</a:t>
+            </a:r>
+            <a:r>
+              <a:rPr lang="en-US" dirty="0"/>
               <a:t> </a:t>
             </a:r>
             <a:r>
               <a:rPr lang="en-US" dirty="0" err="1"/>
-              <a:t>previamente</a:t>
+              <a:t>secundária</a:t>
+            </a:r>
+            <a:r>
+              <a:rPr lang="en-US" dirty="0"/>
+              <a:t>:</a:t>
+            </a:r>
+          </a:p>
+          <a:p>
+            <a:pPr lvl="1"/>
+            <a:r>
+              <a:rPr lang="en-US" dirty="0"/>
+              <a:t>Dado um </a:t>
+            </a:r>
+            <a:r>
+              <a:rPr lang="en-US" dirty="0" err="1"/>
+              <a:t>problema</a:t>
+            </a:r>
+            <a:r>
+              <a:rPr lang="en-US" dirty="0"/>
+              <a:t>, </a:t>
+            </a:r>
+            <a:r>
+              <a:rPr lang="en-US" dirty="0" err="1"/>
+              <a:t>quais</a:t>
             </a:r>
             <a:r>
               <a:rPr lang="en-US" dirty="0"/>
@@ -5041,7 +5250,7 @@
             </a:r>
             <a:r>
               <a:rPr lang="en-US" dirty="0" err="1"/>
-              <a:t>analisados</a:t>
+              <a:t>são</a:t>
             </a:r>
             <a:r>
               <a:rPr lang="en-US" dirty="0"/>
@@ -5049,7 +5258,7 @@
             </a:r>
             <a:r>
               <a:rPr lang="en-US" dirty="0" err="1"/>
-              <a:t>por</a:t>
+              <a:t>os</a:t>
             </a:r>
             <a:r>
               <a:rPr lang="en-US" dirty="0"/>
@@ -5057,15 +5266,23 @@
             </a:r>
             <a:r>
               <a:rPr lang="en-US" dirty="0" err="1"/>
-              <a:t>monitores</a:t>
-            </a:r>
-            <a:r>
-              <a:rPr lang="en-US" dirty="0"/>
-              <a:t> e </a:t>
-            </a:r>
-            <a:r>
-              <a:rPr lang="en-US" dirty="0" err="1"/>
-              <a:t>instrutores</a:t>
+              <a:t>padrões</a:t>
+            </a:r>
+            <a:r>
+              <a:rPr lang="en-US" dirty="0"/>
+              <a:t> de </a:t>
+            </a:r>
+            <a:r>
+              <a:rPr lang="en-US" dirty="0" err="1"/>
+              <a:t>erros</a:t>
+            </a:r>
+            <a:r>
+              <a:rPr lang="en-US" dirty="0"/>
+              <a:t> de </a:t>
+            </a:r>
+            <a:r>
+              <a:rPr lang="en-US" dirty="0" err="1"/>
+              <a:t>lógica</a:t>
             </a:r>
             <a:r>
               <a:rPr lang="en-US" dirty="0"/>
@@ -5073,9 +5290,10 @@
             </a:r>
           </a:p>
           <a:p>
-            <a:r>
-              <a:rPr lang="en-US" dirty="0" err="1"/>
-              <a:t>Pergunta</a:t>
+            <a:pPr lvl="1"/>
+            <a:r>
+              <a:rPr lang="en-US" dirty="0" err="1"/>
+              <a:t>Quais</a:t>
             </a:r>
             <a:r>
               <a:rPr lang="en-US" dirty="0"/>
@@ -5083,30 +5301,11 @@
             </a:r>
             <a:r>
               <a:rPr lang="en-US" dirty="0" err="1"/>
-              <a:t>secundária</a:t>
-            </a:r>
-            <a:r>
-              <a:rPr lang="en-US" dirty="0"/>
-              <a:t>:</a:t>
-            </a:r>
-          </a:p>
-          <a:p>
-            <a:pPr lvl="1"/>
-            <a:r>
-              <a:rPr lang="en-US" dirty="0" err="1"/>
-              <a:t>Qual</a:t>
-            </a:r>
-            <a:r>
-              <a:rPr lang="en-US" dirty="0"/>
-              <a:t> a </a:t>
-            </a:r>
-            <a:r>
-              <a:rPr lang="en-US" dirty="0" err="1"/>
-              <a:t>diferença</a:t>
-            </a:r>
-            <a:r>
-              <a:rPr lang="en-US" dirty="0"/>
-              <a:t> entre </a:t>
+              <a:t>são</a:t>
+            </a:r>
+            <a:r>
+              <a:rPr lang="en-US" dirty="0"/>
+              <a:t> </a:t>
             </a:r>
             <a:r>
               <a:rPr lang="en-US" dirty="0" err="1"/>
@@ -5118,11 +5317,67 @@
             </a:r>
             <a:r>
               <a:rPr lang="en-US" dirty="0" err="1"/>
-              <a:t>padrões</a:t>
-            </a:r>
-            <a:r>
-              <a:rPr lang="en-US" dirty="0"/>
-              <a:t> de </a:t>
+              <a:t>atributos</a:t>
+            </a:r>
+            <a:r>
+              <a:rPr lang="en-US" dirty="0"/>
+              <a:t> </a:t>
+            </a:r>
+            <a:r>
+              <a:rPr lang="en-US" dirty="0" err="1"/>
+              <a:t>mais</a:t>
+            </a:r>
+            <a:r>
+              <a:rPr lang="en-US" dirty="0"/>
+              <a:t> </a:t>
+            </a:r>
+            <a:r>
+              <a:rPr lang="en-US" dirty="0" err="1"/>
+              <a:t>importantes</a:t>
+            </a:r>
+            <a:r>
+              <a:rPr lang="en-US" dirty="0"/>
+              <a:t> para a RNN </a:t>
+            </a:r>
+            <a:r>
+              <a:rPr lang="en-US" dirty="0" err="1"/>
+              <a:t>construir</a:t>
+            </a:r>
+            <a:r>
+              <a:rPr lang="en-US" dirty="0"/>
+              <a:t> o </a:t>
+            </a:r>
+            <a:r>
+              <a:rPr lang="en-US" dirty="0" err="1"/>
+              <a:t>melhor</a:t>
+            </a:r>
+            <a:r>
+              <a:rPr lang="en-US" dirty="0"/>
+              <a:t> </a:t>
+            </a:r>
+            <a:r>
+              <a:rPr lang="en-US" dirty="0" err="1"/>
+              <a:t>modelo</a:t>
+            </a:r>
+            <a:r>
+              <a:rPr lang="en-US" dirty="0"/>
+              <a:t> para </a:t>
+            </a:r>
+            <a:r>
+              <a:rPr lang="en-US" dirty="0" err="1"/>
+              <a:t>identificar</a:t>
+            </a:r>
+            <a:r>
+              <a:rPr lang="en-US" dirty="0"/>
+              <a:t> </a:t>
+            </a:r>
+            <a:r>
+              <a:rPr lang="en-US" dirty="0" err="1"/>
+              <a:t>os</a:t>
+            </a:r>
+            <a:r>
+              <a:rPr lang="en-US" dirty="0"/>
+              <a:t> </a:t>
             </a:r>
             <a:r>
               <a:rPr lang="en-US" dirty="0" err="1"/>
@@ -5130,151 +5385,23 @@
             </a:r>
             <a:r>
               <a:rPr lang="en-US" dirty="0"/>
+              <a:t> e/</a:t>
+            </a:r>
+            <a:r>
+              <a:rPr lang="en-US" dirty="0" err="1"/>
+              <a:t>ou</a:t>
+            </a:r>
+            <a:r>
+              <a:rPr lang="en-US" dirty="0"/>
               <a:t> </a:t>
             </a:r>
             <a:r>
               <a:rPr lang="en-US" dirty="0" err="1"/>
-              <a:t>encontrados</a:t>
-            </a:r>
-            <a:r>
-              <a:rPr lang="en-US" dirty="0"/>
-              <a:t> </a:t>
-            </a:r>
-            <a:r>
-              <a:rPr lang="en-US" dirty="0" err="1"/>
-              <a:t>pelas</a:t>
-            </a:r>
-            <a:r>
-              <a:rPr lang="en-US" dirty="0"/>
-              <a:t> </a:t>
-            </a:r>
-            <a:r>
-              <a:rPr lang="en-US" dirty="0" err="1"/>
-              <a:t>redes</a:t>
-            </a:r>
-            <a:r>
-              <a:rPr lang="en-US" dirty="0"/>
-              <a:t> </a:t>
-            </a:r>
-            <a:r>
-              <a:rPr lang="en-US" dirty="0" err="1"/>
-              <a:t>neurais</a:t>
-            </a:r>
-            <a:r>
-              <a:rPr lang="en-US" dirty="0"/>
-              <a:t> </a:t>
-            </a:r>
-            <a:r>
-              <a:rPr lang="en-US" dirty="0" err="1"/>
-              <a:t>recorrentes</a:t>
-            </a:r>
-            <a:r>
-              <a:rPr lang="en-US" dirty="0"/>
-              <a:t> </a:t>
-            </a:r>
-            <a:r>
-              <a:rPr lang="en-US" dirty="0" err="1"/>
-              <a:t>em</a:t>
-            </a:r>
-            <a:r>
-              <a:rPr lang="en-US" dirty="0"/>
-              <a:t> base de </a:t>
-            </a:r>
-            <a:r>
-              <a:rPr lang="en-US" dirty="0" err="1"/>
-              <a:t>códigos-fontes</a:t>
-            </a:r>
-            <a:r>
-              <a:rPr lang="en-US" dirty="0"/>
-              <a:t> </a:t>
-            </a:r>
-            <a:r>
-              <a:rPr lang="en-US" dirty="0" err="1"/>
-              <a:t>previamente</a:t>
-            </a:r>
-            <a:r>
-              <a:rPr lang="en-US" dirty="0"/>
-              <a:t> </a:t>
-            </a:r>
-            <a:r>
-              <a:rPr lang="en-US" dirty="0" err="1"/>
-              <a:t>avaliados</a:t>
-            </a:r>
-            <a:r>
-              <a:rPr lang="en-US" dirty="0"/>
-              <a:t> </a:t>
-            </a:r>
-            <a:r>
-              <a:rPr lang="en-US" dirty="0" err="1"/>
-              <a:t>por</a:t>
-            </a:r>
-            <a:r>
-              <a:rPr lang="en-US" dirty="0"/>
-              <a:t> </a:t>
-            </a:r>
-            <a:r>
-              <a:rPr lang="en-US" dirty="0" err="1"/>
-              <a:t>monitores</a:t>
-            </a:r>
-            <a:r>
-              <a:rPr lang="en-US" dirty="0"/>
-              <a:t> e </a:t>
-            </a:r>
-            <a:r>
-              <a:rPr lang="en-US" dirty="0" err="1"/>
-              <a:t>instrutores</a:t>
-            </a:r>
-            <a:r>
-              <a:rPr lang="en-US" dirty="0"/>
-              <a:t> </a:t>
-            </a:r>
-            <a:r>
-              <a:rPr lang="en-US" dirty="0" err="1"/>
-              <a:t>em</a:t>
-            </a:r>
-            <a:r>
-              <a:rPr lang="en-US" dirty="0"/>
-              <a:t> </a:t>
-            </a:r>
-            <a:r>
-              <a:rPr lang="en-US" dirty="0" err="1"/>
-              <a:t>comparação</a:t>
-            </a:r>
-            <a:r>
-              <a:rPr lang="en-US" dirty="0"/>
-              <a:t> com </a:t>
-            </a:r>
-            <a:r>
-              <a:rPr lang="en-US" dirty="0" err="1"/>
-              <a:t>uma</a:t>
-            </a:r>
-            <a:r>
-              <a:rPr lang="en-US" dirty="0"/>
-              <a:t> base </a:t>
-            </a:r>
-            <a:r>
-              <a:rPr lang="en-US" dirty="0" err="1"/>
-              <a:t>avaliada</a:t>
-            </a:r>
-            <a:r>
-              <a:rPr lang="en-US" dirty="0"/>
-              <a:t> </a:t>
-            </a:r>
-            <a:r>
-              <a:rPr lang="en-US" dirty="0" err="1"/>
-              <a:t>por</a:t>
-            </a:r>
-            <a:r>
-              <a:rPr lang="en-US" dirty="0"/>
-              <a:t> </a:t>
-            </a:r>
-            <a:r>
-              <a:rPr lang="en-US" dirty="0" err="1"/>
-              <a:t>meio</a:t>
-            </a:r>
-            <a:r>
-              <a:rPr lang="en-US" dirty="0"/>
-              <a:t> de testes?</a:t>
+              <a:t>corrigi-los</a:t>
+            </a:r>
+            <a:r>
+              <a:rPr lang="en-US" dirty="0"/>
+              <a:t>?</a:t>
             </a:r>
           </a:p>
         </p:txBody>
@@ -5764,7 +5891,23 @@
             </a:r>
             <a:r>
               <a:rPr lang="en-US" dirty="0" err="1"/>
-              <a:t>avaliada</a:t>
+              <a:t>aberta</a:t>
+            </a:r>
+            <a:r>
+              <a:rPr lang="en-US" dirty="0"/>
+              <a:t> com </a:t>
+            </a:r>
+            <a:r>
+              <a:rPr lang="en-US" dirty="0" err="1"/>
+              <a:t>milhares</a:t>
+            </a:r>
+            <a:r>
+              <a:rPr lang="en-US" dirty="0"/>
+              <a:t> de </a:t>
+            </a:r>
+            <a:r>
+              <a:rPr lang="en-US" dirty="0" err="1"/>
+              <a:t>códigos</a:t>
             </a:r>
             <a:r>
               <a:rPr lang="en-US" dirty="0"/>
@@ -5772,23 +5915,15 @@
             </a:r>
             <a:r>
               <a:rPr lang="en-US" dirty="0" err="1"/>
-              <a:t>por</a:t>
-            </a:r>
-            <a:r>
-              <a:rPr lang="en-US" dirty="0"/>
-              <a:t> </a:t>
-            </a:r>
-            <a:r>
-              <a:rPr lang="en-US" dirty="0" err="1"/>
-              <a:t>instrutores</a:t>
-            </a:r>
-            <a:r>
-              <a:rPr lang="en-US" dirty="0"/>
-              <a:t> e </a:t>
-            </a:r>
-            <a:r>
-              <a:rPr lang="en-US" dirty="0" err="1"/>
-              <a:t>monitores</a:t>
+              <a:t>fontes</a:t>
+            </a:r>
+            <a:r>
+              <a:rPr lang="en-US" dirty="0"/>
+              <a:t>: Microsoft </a:t>
+            </a:r>
+            <a:r>
+              <a:rPr lang="en-US" dirty="0" err="1"/>
+              <a:t>CodeHunt</a:t>
             </a:r>
             <a:endParaRPr lang="en-US" dirty="0"/>
           </a:p>
@@ -5819,14 +5954,6 @@
             <a:r>
               <a:rPr lang="en-US" dirty="0" err="1"/>
               <a:t>lógica</a:t>
-            </a:r>
-            <a:r>
-              <a:rPr lang="en-US" dirty="0"/>
-              <a:t>, </a:t>
-            </a:r>
-            <a:r>
-              <a:rPr lang="en-US" dirty="0" err="1"/>
-              <a:t>inicialmente</a:t>
             </a:r>
             <a:endParaRPr lang="en-US" dirty="0"/>
           </a:p>
@@ -5914,7 +6041,7 @@
           <p:cNvPr id="2" name="Title 1">
             <a:extLst>
               <a:ext uri="{FF2B5EF4-FFF2-40B4-BE49-F238E27FC236}">
-                <a16:creationId xmlns:a16="http://schemas.microsoft.com/office/drawing/2014/main" id="{5A3AE54C-67A1-7C4A-9CB7-871287792F90}"/>
+                <a16:creationId xmlns:a16="http://schemas.microsoft.com/office/drawing/2014/main" id="{8365EE26-04B7-6443-B1A4-E8B0BAFF9517}"/>
               </a:ext>
             </a:extLst>
           </p:cNvPr>
@@ -5946,12 +6073,2518 @@
           </a:p>
         </p:txBody>
       </p:sp>
+      <p:sp>
+        <p:nvSpPr>
+          <p:cNvPr id="4" name="Rectangle 3">
+            <a:extLst>
+              <a:ext uri="{FF2B5EF4-FFF2-40B4-BE49-F238E27FC236}">
+                <a16:creationId xmlns:a16="http://schemas.microsoft.com/office/drawing/2014/main" id="{687F2D0F-952F-2A42-99F5-EA601F15D002}"/>
+              </a:ext>
+            </a:extLst>
+          </p:cNvPr>
+          <p:cNvSpPr/>
+          <p:nvPr/>
+        </p:nvSpPr>
+        <p:spPr>
+          <a:xfrm>
+            <a:off x="2171700" y="2830513"/>
+            <a:ext cx="622300" cy="736600"/>
+          </a:xfrm>
+          <a:prstGeom prst="rect">
+            <a:avLst/>
+          </a:prstGeom>
+          <a:noFill/>
+          <a:ln w="38100">
+            <a:solidFill>
+              <a:schemeClr val="tx1"/>
+            </a:solidFill>
+          </a:ln>
+        </p:spPr>
+        <p:style>
+          <a:lnRef idx="2">
+            <a:schemeClr val="accent6"/>
+          </a:lnRef>
+          <a:fillRef idx="1">
+            <a:schemeClr val="lt1"/>
+          </a:fillRef>
+          <a:effectRef idx="0">
+            <a:schemeClr val="accent6"/>
+          </a:effectRef>
+          <a:fontRef idx="minor">
+            <a:schemeClr val="dk1"/>
+          </a:fontRef>
+        </p:style>
+        <p:txBody>
+          <a:bodyPr rtlCol="0" anchor="ctr"/>
+          <a:lstStyle/>
+          <a:p>
+            <a:pPr algn="ctr"/>
+            <a:endParaRPr lang="en-US"/>
+          </a:p>
+        </p:txBody>
+      </p:sp>
+      <p:sp>
+        <p:nvSpPr>
+          <p:cNvPr id="5" name="Rectangle 4">
+            <a:extLst>
+              <a:ext uri="{FF2B5EF4-FFF2-40B4-BE49-F238E27FC236}">
+                <a16:creationId xmlns:a16="http://schemas.microsoft.com/office/drawing/2014/main" id="{5102AB58-3FB2-8C4D-B643-C7A292718853}"/>
+              </a:ext>
+            </a:extLst>
+          </p:cNvPr>
+          <p:cNvSpPr/>
+          <p:nvPr/>
+        </p:nvSpPr>
+        <p:spPr>
+          <a:xfrm>
+            <a:off x="2012950" y="2971800"/>
+            <a:ext cx="622300" cy="736600"/>
+          </a:xfrm>
+          <a:prstGeom prst="rect">
+            <a:avLst/>
+          </a:prstGeom>
+          <a:solidFill>
+            <a:schemeClr val="bg1"/>
+          </a:solidFill>
+          <a:ln w="38100">
+            <a:solidFill>
+              <a:schemeClr val="tx1"/>
+            </a:solidFill>
+          </a:ln>
+        </p:spPr>
+        <p:style>
+          <a:lnRef idx="2">
+            <a:schemeClr val="accent6"/>
+          </a:lnRef>
+          <a:fillRef idx="1">
+            <a:schemeClr val="lt1"/>
+          </a:fillRef>
+          <a:effectRef idx="0">
+            <a:schemeClr val="accent6"/>
+          </a:effectRef>
+          <a:fontRef idx="minor">
+            <a:schemeClr val="dk1"/>
+          </a:fontRef>
+        </p:style>
+        <p:txBody>
+          <a:bodyPr rtlCol="0" anchor="ctr"/>
+          <a:lstStyle/>
+          <a:p>
+            <a:pPr algn="ctr"/>
+            <a:endParaRPr lang="en-US"/>
+          </a:p>
+        </p:txBody>
+      </p:sp>
+      <p:sp>
+        <p:nvSpPr>
+          <p:cNvPr id="6" name="Rectangle 5">
+            <a:extLst>
+              <a:ext uri="{FF2B5EF4-FFF2-40B4-BE49-F238E27FC236}">
+                <a16:creationId xmlns:a16="http://schemas.microsoft.com/office/drawing/2014/main" id="{0FD319DB-8AE1-254C-9CAE-8FF581CF45C9}"/>
+              </a:ext>
+            </a:extLst>
+          </p:cNvPr>
+          <p:cNvSpPr/>
+          <p:nvPr/>
+        </p:nvSpPr>
+        <p:spPr>
+          <a:xfrm>
+            <a:off x="1854200" y="3175000"/>
+            <a:ext cx="622300" cy="736600"/>
+          </a:xfrm>
+          <a:prstGeom prst="rect">
+            <a:avLst/>
+          </a:prstGeom>
+          <a:solidFill>
+            <a:schemeClr val="bg1"/>
+          </a:solidFill>
+          <a:ln w="38100">
+            <a:solidFill>
+              <a:schemeClr val="tx1"/>
+            </a:solidFill>
+          </a:ln>
+        </p:spPr>
+        <p:style>
+          <a:lnRef idx="2">
+            <a:schemeClr val="accent6"/>
+          </a:lnRef>
+          <a:fillRef idx="1">
+            <a:schemeClr val="lt1"/>
+          </a:fillRef>
+          <a:effectRef idx="0">
+            <a:schemeClr val="accent6"/>
+          </a:effectRef>
+          <a:fontRef idx="minor">
+            <a:schemeClr val="dk1"/>
+          </a:fontRef>
+        </p:style>
+        <p:txBody>
+          <a:bodyPr rtlCol="0" anchor="ctr"/>
+          <a:lstStyle/>
+          <a:p>
+            <a:pPr algn="ctr"/>
+            <a:endParaRPr lang="en-US"/>
+          </a:p>
+        </p:txBody>
+      </p:sp>
+      <p:sp>
+        <p:nvSpPr>
+          <p:cNvPr id="15" name="Right Arrow 14">
+            <a:extLst>
+              <a:ext uri="{FF2B5EF4-FFF2-40B4-BE49-F238E27FC236}">
+                <a16:creationId xmlns:a16="http://schemas.microsoft.com/office/drawing/2014/main" id="{787205E5-AE9A-0346-BDB3-8131647BCF62}"/>
+              </a:ext>
+            </a:extLst>
+          </p:cNvPr>
+          <p:cNvSpPr/>
+          <p:nvPr/>
+        </p:nvSpPr>
+        <p:spPr>
+          <a:xfrm rot="20012562">
+            <a:off x="2984500" y="2641600"/>
+            <a:ext cx="1308100" cy="673100"/>
+          </a:xfrm>
+          <a:prstGeom prst="rightArrow">
+            <a:avLst/>
+          </a:prstGeom>
+        </p:spPr>
+        <p:style>
+          <a:lnRef idx="2">
+            <a:schemeClr val="dk1">
+              <a:shade val="50000"/>
+            </a:schemeClr>
+          </a:lnRef>
+          <a:fillRef idx="1">
+            <a:schemeClr val="dk1"/>
+          </a:fillRef>
+          <a:effectRef idx="0">
+            <a:schemeClr val="dk1"/>
+          </a:effectRef>
+          <a:fontRef idx="minor">
+            <a:schemeClr val="lt1"/>
+          </a:fontRef>
+        </p:style>
+        <p:txBody>
+          <a:bodyPr rtlCol="0" anchor="ctr"/>
+          <a:lstStyle/>
+          <a:p>
+            <a:pPr algn="ctr"/>
+            <a:endParaRPr lang="en-US"/>
+          </a:p>
+        </p:txBody>
+      </p:sp>
+      <p:sp>
+        <p:nvSpPr>
+          <p:cNvPr id="31" name="Rectangle 30">
+            <a:extLst>
+              <a:ext uri="{FF2B5EF4-FFF2-40B4-BE49-F238E27FC236}">
+                <a16:creationId xmlns:a16="http://schemas.microsoft.com/office/drawing/2014/main" id="{54107C43-801A-A248-BFD1-0DFCB9F82BDE}"/>
+              </a:ext>
+            </a:extLst>
+          </p:cNvPr>
+          <p:cNvSpPr/>
+          <p:nvPr/>
+        </p:nvSpPr>
+        <p:spPr>
+          <a:xfrm>
+            <a:off x="4691543" y="2117726"/>
+            <a:ext cx="622300" cy="736600"/>
+          </a:xfrm>
+          <a:prstGeom prst="rect">
+            <a:avLst/>
+          </a:prstGeom>
+          <a:noFill/>
+          <a:ln w="38100">
+            <a:solidFill>
+              <a:schemeClr val="tx1"/>
+            </a:solidFill>
+          </a:ln>
+        </p:spPr>
+        <p:style>
+          <a:lnRef idx="2">
+            <a:schemeClr val="accent6"/>
+          </a:lnRef>
+          <a:fillRef idx="1">
+            <a:schemeClr val="lt1"/>
+          </a:fillRef>
+          <a:effectRef idx="0">
+            <a:schemeClr val="accent6"/>
+          </a:effectRef>
+          <a:fontRef idx="minor">
+            <a:schemeClr val="dk1"/>
+          </a:fontRef>
+        </p:style>
+        <p:txBody>
+          <a:bodyPr rtlCol="0" anchor="ctr"/>
+          <a:lstStyle/>
+          <a:p>
+            <a:pPr algn="ctr"/>
+            <a:endParaRPr lang="en-US"/>
+          </a:p>
+        </p:txBody>
+      </p:sp>
+      <p:sp>
+        <p:nvSpPr>
+          <p:cNvPr id="32" name="Rectangle 31">
+            <a:extLst>
+              <a:ext uri="{FF2B5EF4-FFF2-40B4-BE49-F238E27FC236}">
+                <a16:creationId xmlns:a16="http://schemas.microsoft.com/office/drawing/2014/main" id="{D18C6FDE-58F2-9F41-B4D9-0AAF1ABD7DE8}"/>
+              </a:ext>
+            </a:extLst>
+          </p:cNvPr>
+          <p:cNvSpPr/>
+          <p:nvPr/>
+        </p:nvSpPr>
+        <p:spPr>
+          <a:xfrm>
+            <a:off x="4532793" y="2259013"/>
+            <a:ext cx="622300" cy="736600"/>
+          </a:xfrm>
+          <a:prstGeom prst="rect">
+            <a:avLst/>
+          </a:prstGeom>
+          <a:solidFill>
+            <a:schemeClr val="bg1"/>
+          </a:solidFill>
+          <a:ln w="38100">
+            <a:solidFill>
+              <a:schemeClr val="tx1"/>
+            </a:solidFill>
+          </a:ln>
+        </p:spPr>
+        <p:style>
+          <a:lnRef idx="2">
+            <a:schemeClr val="accent6"/>
+          </a:lnRef>
+          <a:fillRef idx="1">
+            <a:schemeClr val="lt1"/>
+          </a:fillRef>
+          <a:effectRef idx="0">
+            <a:schemeClr val="accent6"/>
+          </a:effectRef>
+          <a:fontRef idx="minor">
+            <a:schemeClr val="dk1"/>
+          </a:fontRef>
+        </p:style>
+        <p:txBody>
+          <a:bodyPr rtlCol="0" anchor="ctr"/>
+          <a:lstStyle/>
+          <a:p>
+            <a:pPr algn="ctr"/>
+            <a:endParaRPr lang="en-US"/>
+          </a:p>
+        </p:txBody>
+      </p:sp>
+      <p:sp>
+        <p:nvSpPr>
+          <p:cNvPr id="33" name="Rectangle 32">
+            <a:extLst>
+              <a:ext uri="{FF2B5EF4-FFF2-40B4-BE49-F238E27FC236}">
+                <a16:creationId xmlns:a16="http://schemas.microsoft.com/office/drawing/2014/main" id="{AAFA1DD0-C2BC-844D-B195-0AEBE07B13D7}"/>
+              </a:ext>
+            </a:extLst>
+          </p:cNvPr>
+          <p:cNvSpPr/>
+          <p:nvPr/>
+        </p:nvSpPr>
+        <p:spPr>
+          <a:xfrm>
+            <a:off x="4374043" y="2462213"/>
+            <a:ext cx="622300" cy="736600"/>
+          </a:xfrm>
+          <a:prstGeom prst="rect">
+            <a:avLst/>
+          </a:prstGeom>
+          <a:solidFill>
+            <a:schemeClr val="bg1"/>
+          </a:solidFill>
+          <a:ln w="38100">
+            <a:solidFill>
+              <a:schemeClr val="tx1"/>
+            </a:solidFill>
+          </a:ln>
+        </p:spPr>
+        <p:style>
+          <a:lnRef idx="2">
+            <a:schemeClr val="accent6"/>
+          </a:lnRef>
+          <a:fillRef idx="1">
+            <a:schemeClr val="lt1"/>
+          </a:fillRef>
+          <a:effectRef idx="0">
+            <a:schemeClr val="accent6"/>
+          </a:effectRef>
+          <a:fontRef idx="minor">
+            <a:schemeClr val="dk1"/>
+          </a:fontRef>
+        </p:style>
+        <p:txBody>
+          <a:bodyPr rtlCol="0" anchor="ctr"/>
+          <a:lstStyle/>
+          <a:p>
+            <a:pPr algn="ctr"/>
+            <a:endParaRPr lang="en-US"/>
+          </a:p>
+        </p:txBody>
+      </p:sp>
+      <p:sp>
+        <p:nvSpPr>
+          <p:cNvPr id="34" name="TextBox 33">
+            <a:extLst>
+              <a:ext uri="{FF2B5EF4-FFF2-40B4-BE49-F238E27FC236}">
+                <a16:creationId xmlns:a16="http://schemas.microsoft.com/office/drawing/2014/main" id="{B111F148-11C5-8D4D-BF26-9E37E3507691}"/>
+              </a:ext>
+            </a:extLst>
+          </p:cNvPr>
+          <p:cNvSpPr txBox="1"/>
+          <p:nvPr/>
+        </p:nvSpPr>
+        <p:spPr>
+          <a:xfrm>
+            <a:off x="4412143" y="2616200"/>
+            <a:ext cx="781050" cy="369332"/>
+          </a:xfrm>
+          <a:prstGeom prst="rect">
+            <a:avLst/>
+          </a:prstGeom>
+          <a:noFill/>
+        </p:spPr>
+        <p:txBody>
+          <a:bodyPr wrap="square" rtlCol="0">
+            <a:spAutoFit/>
+          </a:bodyPr>
+          <a:lstStyle/>
+          <a:p>
+            <a:r>
+              <a:rPr lang="en-US" dirty="0"/>
+              <a:t>AST</a:t>
+            </a:r>
+          </a:p>
+        </p:txBody>
+      </p:sp>
+      <p:sp>
+        <p:nvSpPr>
+          <p:cNvPr id="35" name="Right Arrow 34">
+            <a:extLst>
+              <a:ext uri="{FF2B5EF4-FFF2-40B4-BE49-F238E27FC236}">
+                <a16:creationId xmlns:a16="http://schemas.microsoft.com/office/drawing/2014/main" id="{2E2E052E-49EC-9C40-B738-7801455D1DF6}"/>
+              </a:ext>
+            </a:extLst>
+          </p:cNvPr>
+          <p:cNvSpPr/>
+          <p:nvPr/>
+        </p:nvSpPr>
+        <p:spPr>
+          <a:xfrm rot="2371365">
+            <a:off x="2891318" y="3906396"/>
+            <a:ext cx="1308100" cy="673100"/>
+          </a:xfrm>
+          <a:prstGeom prst="rightArrow">
+            <a:avLst/>
+          </a:prstGeom>
+        </p:spPr>
+        <p:style>
+          <a:lnRef idx="2">
+            <a:schemeClr val="dk1">
+              <a:shade val="50000"/>
+            </a:schemeClr>
+          </a:lnRef>
+          <a:fillRef idx="1">
+            <a:schemeClr val="dk1"/>
+          </a:fillRef>
+          <a:effectRef idx="0">
+            <a:schemeClr val="dk1"/>
+          </a:effectRef>
+          <a:fontRef idx="minor">
+            <a:schemeClr val="lt1"/>
+          </a:fontRef>
+        </p:style>
+        <p:txBody>
+          <a:bodyPr rtlCol="0" anchor="ctr"/>
+          <a:lstStyle/>
+          <a:p>
+            <a:pPr algn="ctr"/>
+            <a:endParaRPr lang="en-US"/>
+          </a:p>
+        </p:txBody>
+      </p:sp>
+      <p:sp>
+        <p:nvSpPr>
+          <p:cNvPr id="37" name="Rectangle 36">
+            <a:extLst>
+              <a:ext uri="{FF2B5EF4-FFF2-40B4-BE49-F238E27FC236}">
+                <a16:creationId xmlns:a16="http://schemas.microsoft.com/office/drawing/2014/main" id="{B29C9B2D-6CC8-8B42-984C-0A280DC195C4}"/>
+              </a:ext>
+            </a:extLst>
+          </p:cNvPr>
+          <p:cNvSpPr/>
+          <p:nvPr/>
+        </p:nvSpPr>
+        <p:spPr>
+          <a:xfrm>
+            <a:off x="4532793" y="4306958"/>
+            <a:ext cx="622300" cy="736600"/>
+          </a:xfrm>
+          <a:prstGeom prst="rect">
+            <a:avLst/>
+          </a:prstGeom>
+          <a:noFill/>
+          <a:ln w="38100">
+            <a:solidFill>
+              <a:schemeClr val="tx1"/>
+            </a:solidFill>
+          </a:ln>
+        </p:spPr>
+        <p:style>
+          <a:lnRef idx="2">
+            <a:schemeClr val="accent6"/>
+          </a:lnRef>
+          <a:fillRef idx="1">
+            <a:schemeClr val="lt1"/>
+          </a:fillRef>
+          <a:effectRef idx="0">
+            <a:schemeClr val="accent6"/>
+          </a:effectRef>
+          <a:fontRef idx="minor">
+            <a:schemeClr val="dk1"/>
+          </a:fontRef>
+        </p:style>
+        <p:txBody>
+          <a:bodyPr rtlCol="0" anchor="ctr"/>
+          <a:lstStyle/>
+          <a:p>
+            <a:pPr algn="ctr"/>
+            <a:endParaRPr lang="en-US"/>
+          </a:p>
+        </p:txBody>
+      </p:sp>
+      <p:sp>
+        <p:nvSpPr>
+          <p:cNvPr id="38" name="Rectangle 37">
+            <a:extLst>
+              <a:ext uri="{FF2B5EF4-FFF2-40B4-BE49-F238E27FC236}">
+                <a16:creationId xmlns:a16="http://schemas.microsoft.com/office/drawing/2014/main" id="{CE171A33-8C61-914E-9A93-74E8EA6535C5}"/>
+              </a:ext>
+            </a:extLst>
+          </p:cNvPr>
+          <p:cNvSpPr/>
+          <p:nvPr/>
+        </p:nvSpPr>
+        <p:spPr>
+          <a:xfrm>
+            <a:off x="4374043" y="4448245"/>
+            <a:ext cx="622300" cy="736600"/>
+          </a:xfrm>
+          <a:prstGeom prst="rect">
+            <a:avLst/>
+          </a:prstGeom>
+          <a:solidFill>
+            <a:schemeClr val="bg1"/>
+          </a:solidFill>
+          <a:ln w="38100">
+            <a:solidFill>
+              <a:schemeClr val="tx1"/>
+            </a:solidFill>
+          </a:ln>
+        </p:spPr>
+        <p:style>
+          <a:lnRef idx="2">
+            <a:schemeClr val="accent6"/>
+          </a:lnRef>
+          <a:fillRef idx="1">
+            <a:schemeClr val="lt1"/>
+          </a:fillRef>
+          <a:effectRef idx="0">
+            <a:schemeClr val="accent6"/>
+          </a:effectRef>
+          <a:fontRef idx="minor">
+            <a:schemeClr val="dk1"/>
+          </a:fontRef>
+        </p:style>
+        <p:txBody>
+          <a:bodyPr rtlCol="0" anchor="ctr"/>
+          <a:lstStyle/>
+          <a:p>
+            <a:pPr algn="ctr"/>
+            <a:endParaRPr lang="en-US"/>
+          </a:p>
+        </p:txBody>
+      </p:sp>
+      <p:sp>
+        <p:nvSpPr>
+          <p:cNvPr id="39" name="Rectangle 38">
+            <a:extLst>
+              <a:ext uri="{FF2B5EF4-FFF2-40B4-BE49-F238E27FC236}">
+                <a16:creationId xmlns:a16="http://schemas.microsoft.com/office/drawing/2014/main" id="{4DF0D88F-9746-1847-B685-B862811D52BB}"/>
+              </a:ext>
+            </a:extLst>
+          </p:cNvPr>
+          <p:cNvSpPr/>
+          <p:nvPr/>
+        </p:nvSpPr>
+        <p:spPr>
+          <a:xfrm>
+            <a:off x="4215293" y="4651445"/>
+            <a:ext cx="622300" cy="736600"/>
+          </a:xfrm>
+          <a:prstGeom prst="rect">
+            <a:avLst/>
+          </a:prstGeom>
+          <a:solidFill>
+            <a:schemeClr val="bg1"/>
+          </a:solidFill>
+          <a:ln w="38100">
+            <a:solidFill>
+              <a:schemeClr val="tx1"/>
+            </a:solidFill>
+          </a:ln>
+        </p:spPr>
+        <p:style>
+          <a:lnRef idx="2">
+            <a:schemeClr val="accent6"/>
+          </a:lnRef>
+          <a:fillRef idx="1">
+            <a:schemeClr val="lt1"/>
+          </a:fillRef>
+          <a:effectRef idx="0">
+            <a:schemeClr val="accent6"/>
+          </a:effectRef>
+          <a:fontRef idx="minor">
+            <a:schemeClr val="dk1"/>
+          </a:fontRef>
+        </p:style>
+        <p:txBody>
+          <a:bodyPr rtlCol="0" anchor="ctr"/>
+          <a:lstStyle/>
+          <a:p>
+            <a:pPr algn="ctr"/>
+            <a:endParaRPr lang="en-US"/>
+          </a:p>
+        </p:txBody>
+      </p:sp>
+      <p:sp>
+        <p:nvSpPr>
+          <p:cNvPr id="40" name="TextBox 39">
+            <a:extLst>
+              <a:ext uri="{FF2B5EF4-FFF2-40B4-BE49-F238E27FC236}">
+                <a16:creationId xmlns:a16="http://schemas.microsoft.com/office/drawing/2014/main" id="{E66B5509-D4D4-B94E-8162-5D60AB92B05C}"/>
+              </a:ext>
+            </a:extLst>
+          </p:cNvPr>
+          <p:cNvSpPr txBox="1"/>
+          <p:nvPr/>
+        </p:nvSpPr>
+        <p:spPr>
+          <a:xfrm>
+            <a:off x="4296736" y="4817179"/>
+            <a:ext cx="650840" cy="369332"/>
+          </a:xfrm>
+          <a:prstGeom prst="rect">
+            <a:avLst/>
+          </a:prstGeom>
+          <a:noFill/>
+        </p:spPr>
+        <p:txBody>
+          <a:bodyPr wrap="square" rtlCol="0">
+            <a:spAutoFit/>
+          </a:bodyPr>
+          <a:lstStyle/>
+          <a:p>
+            <a:r>
+              <a:rPr lang="en-US" dirty="0"/>
+              <a:t>VT*</a:t>
+            </a:r>
+          </a:p>
+        </p:txBody>
+      </p:sp>
+      <p:sp>
+        <p:nvSpPr>
+          <p:cNvPr id="42" name="TextBox 41">
+            <a:extLst>
+              <a:ext uri="{FF2B5EF4-FFF2-40B4-BE49-F238E27FC236}">
+                <a16:creationId xmlns:a16="http://schemas.microsoft.com/office/drawing/2014/main" id="{AF393561-1702-984F-BBD5-3876FB89C535}"/>
+              </a:ext>
+            </a:extLst>
+          </p:cNvPr>
+          <p:cNvSpPr txBox="1"/>
+          <p:nvPr/>
+        </p:nvSpPr>
+        <p:spPr>
+          <a:xfrm>
+            <a:off x="1079500" y="5511800"/>
+            <a:ext cx="2184400" cy="369332"/>
+          </a:xfrm>
+          <a:prstGeom prst="rect">
+            <a:avLst/>
+          </a:prstGeom>
+          <a:noFill/>
+        </p:spPr>
+        <p:txBody>
+          <a:bodyPr wrap="square" rtlCol="0">
+            <a:spAutoFit/>
+          </a:bodyPr>
+          <a:lstStyle/>
+          <a:p>
+            <a:r>
+              <a:rPr lang="en-US" dirty="0"/>
+              <a:t>VT*: Variable Tracing</a:t>
+            </a:r>
+          </a:p>
+        </p:txBody>
+      </p:sp>
+      <p:sp>
+        <p:nvSpPr>
+          <p:cNvPr id="43" name="Right Arrow 42">
+            <a:extLst>
+              <a:ext uri="{FF2B5EF4-FFF2-40B4-BE49-F238E27FC236}">
+                <a16:creationId xmlns:a16="http://schemas.microsoft.com/office/drawing/2014/main" id="{A3E309C1-542F-0846-AA88-FB783B73F566}"/>
+              </a:ext>
+            </a:extLst>
+          </p:cNvPr>
+          <p:cNvSpPr/>
+          <p:nvPr/>
+        </p:nvSpPr>
+        <p:spPr>
+          <a:xfrm rot="2208543">
+            <a:off x="5390970" y="2683668"/>
+            <a:ext cx="1308100" cy="673100"/>
+          </a:xfrm>
+          <a:prstGeom prst="rightArrow">
+            <a:avLst/>
+          </a:prstGeom>
+        </p:spPr>
+        <p:style>
+          <a:lnRef idx="2">
+            <a:schemeClr val="dk1">
+              <a:shade val="50000"/>
+            </a:schemeClr>
+          </a:lnRef>
+          <a:fillRef idx="1">
+            <a:schemeClr val="dk1"/>
+          </a:fillRef>
+          <a:effectRef idx="0">
+            <a:schemeClr val="dk1"/>
+          </a:effectRef>
+          <a:fontRef idx="minor">
+            <a:schemeClr val="lt1"/>
+          </a:fontRef>
+        </p:style>
+        <p:txBody>
+          <a:bodyPr rtlCol="0" anchor="ctr"/>
+          <a:lstStyle/>
+          <a:p>
+            <a:pPr algn="ctr"/>
+            <a:endParaRPr lang="en-US"/>
+          </a:p>
+        </p:txBody>
+      </p:sp>
+      <p:sp>
+        <p:nvSpPr>
+          <p:cNvPr id="44" name="Right Arrow 43">
+            <a:extLst>
+              <a:ext uri="{FF2B5EF4-FFF2-40B4-BE49-F238E27FC236}">
+                <a16:creationId xmlns:a16="http://schemas.microsoft.com/office/drawing/2014/main" id="{C54AACCF-ACBB-3049-9A59-9B3063D46CE2}"/>
+              </a:ext>
+            </a:extLst>
+          </p:cNvPr>
+          <p:cNvSpPr/>
+          <p:nvPr/>
+        </p:nvSpPr>
+        <p:spPr>
+          <a:xfrm rot="19736492">
+            <a:off x="5247584" y="4039394"/>
+            <a:ext cx="1308100" cy="673100"/>
+          </a:xfrm>
+          <a:prstGeom prst="rightArrow">
+            <a:avLst/>
+          </a:prstGeom>
+        </p:spPr>
+        <p:style>
+          <a:lnRef idx="2">
+            <a:schemeClr val="dk1">
+              <a:shade val="50000"/>
+            </a:schemeClr>
+          </a:lnRef>
+          <a:fillRef idx="1">
+            <a:schemeClr val="dk1"/>
+          </a:fillRef>
+          <a:effectRef idx="0">
+            <a:schemeClr val="dk1"/>
+          </a:effectRef>
+          <a:fontRef idx="minor">
+            <a:schemeClr val="lt1"/>
+          </a:fontRef>
+        </p:style>
+        <p:txBody>
+          <a:bodyPr rtlCol="0" anchor="ctr"/>
+          <a:lstStyle/>
+          <a:p>
+            <a:pPr algn="ctr"/>
+            <a:endParaRPr lang="en-US"/>
+          </a:p>
+        </p:txBody>
+      </p:sp>
+      <p:sp>
+        <p:nvSpPr>
+          <p:cNvPr id="45" name="Rectangle 44">
+            <a:extLst>
+              <a:ext uri="{FF2B5EF4-FFF2-40B4-BE49-F238E27FC236}">
+                <a16:creationId xmlns:a16="http://schemas.microsoft.com/office/drawing/2014/main" id="{3681FB6F-DC21-EF40-B6E6-F04D9701DCDD}"/>
+              </a:ext>
+            </a:extLst>
+          </p:cNvPr>
+          <p:cNvSpPr/>
+          <p:nvPr/>
+        </p:nvSpPr>
+        <p:spPr>
+          <a:xfrm>
+            <a:off x="7117677" y="3198813"/>
+            <a:ext cx="622300" cy="736600"/>
+          </a:xfrm>
+          <a:prstGeom prst="rect">
+            <a:avLst/>
+          </a:prstGeom>
+          <a:noFill/>
+          <a:ln w="38100">
+            <a:solidFill>
+              <a:schemeClr val="tx1"/>
+            </a:solidFill>
+          </a:ln>
+        </p:spPr>
+        <p:style>
+          <a:lnRef idx="2">
+            <a:schemeClr val="accent6"/>
+          </a:lnRef>
+          <a:fillRef idx="1">
+            <a:schemeClr val="lt1"/>
+          </a:fillRef>
+          <a:effectRef idx="0">
+            <a:schemeClr val="accent6"/>
+          </a:effectRef>
+          <a:fontRef idx="minor">
+            <a:schemeClr val="dk1"/>
+          </a:fontRef>
+        </p:style>
+        <p:txBody>
+          <a:bodyPr rtlCol="0" anchor="ctr"/>
+          <a:lstStyle/>
+          <a:p>
+            <a:pPr algn="ctr"/>
+            <a:endParaRPr lang="en-US"/>
+          </a:p>
+        </p:txBody>
+      </p:sp>
+      <p:sp>
+        <p:nvSpPr>
+          <p:cNvPr id="46" name="Rectangle 45">
+            <a:extLst>
+              <a:ext uri="{FF2B5EF4-FFF2-40B4-BE49-F238E27FC236}">
+                <a16:creationId xmlns:a16="http://schemas.microsoft.com/office/drawing/2014/main" id="{6A511374-E622-884E-94E0-7175D548F752}"/>
+              </a:ext>
+            </a:extLst>
+          </p:cNvPr>
+          <p:cNvSpPr/>
+          <p:nvPr/>
+        </p:nvSpPr>
+        <p:spPr>
+          <a:xfrm>
+            <a:off x="6958927" y="3340100"/>
+            <a:ext cx="622300" cy="736600"/>
+          </a:xfrm>
+          <a:prstGeom prst="rect">
+            <a:avLst/>
+          </a:prstGeom>
+          <a:solidFill>
+            <a:schemeClr val="bg1"/>
+          </a:solidFill>
+          <a:ln w="38100">
+            <a:solidFill>
+              <a:schemeClr val="tx1"/>
+            </a:solidFill>
+          </a:ln>
+        </p:spPr>
+        <p:style>
+          <a:lnRef idx="2">
+            <a:schemeClr val="accent6"/>
+          </a:lnRef>
+          <a:fillRef idx="1">
+            <a:schemeClr val="lt1"/>
+          </a:fillRef>
+          <a:effectRef idx="0">
+            <a:schemeClr val="accent6"/>
+          </a:effectRef>
+          <a:fontRef idx="minor">
+            <a:schemeClr val="dk1"/>
+          </a:fontRef>
+        </p:style>
+        <p:txBody>
+          <a:bodyPr rtlCol="0" anchor="ctr"/>
+          <a:lstStyle/>
+          <a:p>
+            <a:pPr algn="ctr"/>
+            <a:endParaRPr lang="en-US"/>
+          </a:p>
+        </p:txBody>
+      </p:sp>
+      <p:sp>
+        <p:nvSpPr>
+          <p:cNvPr id="47" name="Rectangle 46">
+            <a:extLst>
+              <a:ext uri="{FF2B5EF4-FFF2-40B4-BE49-F238E27FC236}">
+                <a16:creationId xmlns:a16="http://schemas.microsoft.com/office/drawing/2014/main" id="{60DAF456-1801-3E4C-881A-EFB23E3BE617}"/>
+              </a:ext>
+            </a:extLst>
+          </p:cNvPr>
+          <p:cNvSpPr/>
+          <p:nvPr/>
+        </p:nvSpPr>
+        <p:spPr>
+          <a:xfrm>
+            <a:off x="6800177" y="3543300"/>
+            <a:ext cx="622300" cy="736600"/>
+          </a:xfrm>
+          <a:prstGeom prst="rect">
+            <a:avLst/>
+          </a:prstGeom>
+          <a:solidFill>
+            <a:schemeClr val="bg1"/>
+          </a:solidFill>
+          <a:ln w="38100">
+            <a:solidFill>
+              <a:schemeClr val="tx1"/>
+            </a:solidFill>
+          </a:ln>
+        </p:spPr>
+        <p:style>
+          <a:lnRef idx="2">
+            <a:schemeClr val="accent6"/>
+          </a:lnRef>
+          <a:fillRef idx="1">
+            <a:schemeClr val="lt1"/>
+          </a:fillRef>
+          <a:effectRef idx="0">
+            <a:schemeClr val="accent6"/>
+          </a:effectRef>
+          <a:fontRef idx="minor">
+            <a:schemeClr val="dk1"/>
+          </a:fontRef>
+        </p:style>
+        <p:txBody>
+          <a:bodyPr rtlCol="0" anchor="ctr"/>
+          <a:lstStyle/>
+          <a:p>
+            <a:pPr algn="ctr"/>
+            <a:endParaRPr lang="en-US"/>
+          </a:p>
+        </p:txBody>
+      </p:sp>
+      <p:sp>
+        <p:nvSpPr>
+          <p:cNvPr id="48" name="Right Arrow 47">
+            <a:extLst>
+              <a:ext uri="{FF2B5EF4-FFF2-40B4-BE49-F238E27FC236}">
+                <a16:creationId xmlns:a16="http://schemas.microsoft.com/office/drawing/2014/main" id="{F6B12A25-0713-B44E-A904-F8E5B1246194}"/>
+              </a:ext>
+            </a:extLst>
+          </p:cNvPr>
+          <p:cNvSpPr/>
+          <p:nvPr/>
+        </p:nvSpPr>
+        <p:spPr>
+          <a:xfrm>
+            <a:off x="7898727" y="3262313"/>
+            <a:ext cx="1308100" cy="673100"/>
+          </a:xfrm>
+          <a:prstGeom prst="rightArrow">
+            <a:avLst/>
+          </a:prstGeom>
+        </p:spPr>
+        <p:style>
+          <a:lnRef idx="2">
+            <a:schemeClr val="dk1">
+              <a:shade val="50000"/>
+            </a:schemeClr>
+          </a:lnRef>
+          <a:fillRef idx="1">
+            <a:schemeClr val="dk1"/>
+          </a:fillRef>
+          <a:effectRef idx="0">
+            <a:schemeClr val="dk1"/>
+          </a:effectRef>
+          <a:fontRef idx="minor">
+            <a:schemeClr val="lt1"/>
+          </a:fontRef>
+        </p:style>
+        <p:txBody>
+          <a:bodyPr rtlCol="0" anchor="ctr"/>
+          <a:lstStyle/>
+          <a:p>
+            <a:pPr algn="ctr"/>
+            <a:endParaRPr lang="en-US"/>
+          </a:p>
+        </p:txBody>
+      </p:sp>
+      <p:sp>
+        <p:nvSpPr>
+          <p:cNvPr id="49" name="TextBox 48">
+            <a:extLst>
+              <a:ext uri="{FF2B5EF4-FFF2-40B4-BE49-F238E27FC236}">
+                <a16:creationId xmlns:a16="http://schemas.microsoft.com/office/drawing/2014/main" id="{4BD0A609-531E-3940-9838-7ABEE732EBF0}"/>
+              </a:ext>
+            </a:extLst>
+          </p:cNvPr>
+          <p:cNvSpPr txBox="1"/>
+          <p:nvPr/>
+        </p:nvSpPr>
+        <p:spPr>
+          <a:xfrm>
+            <a:off x="1308100" y="4242946"/>
+            <a:ext cx="1594957" cy="646331"/>
+          </a:xfrm>
+          <a:prstGeom prst="rect">
+            <a:avLst/>
+          </a:prstGeom>
+          <a:noFill/>
+        </p:spPr>
+        <p:txBody>
+          <a:bodyPr wrap="square" rtlCol="0">
+            <a:spAutoFit/>
+          </a:bodyPr>
+          <a:lstStyle/>
+          <a:p>
+            <a:r>
+              <a:rPr lang="en-US" dirty="0" err="1"/>
+              <a:t>Códigos</a:t>
+            </a:r>
+            <a:r>
+              <a:rPr lang="en-US" dirty="0"/>
+              <a:t> </a:t>
+            </a:r>
+            <a:r>
+              <a:rPr lang="en-US" dirty="0" err="1"/>
+              <a:t>fontes</a:t>
+            </a:r>
+            <a:endParaRPr lang="en-US" dirty="0"/>
+          </a:p>
+          <a:p>
+            <a:r>
+              <a:rPr lang="en-US" dirty="0"/>
+              <a:t>do </a:t>
+            </a:r>
+            <a:r>
+              <a:rPr lang="en-US" dirty="0" err="1"/>
+              <a:t>CodeHunt</a:t>
+            </a:r>
+            <a:r>
+              <a:rPr lang="en-US" dirty="0"/>
+              <a:t> </a:t>
+            </a:r>
+          </a:p>
+        </p:txBody>
+      </p:sp>
+      <p:sp>
+        <p:nvSpPr>
+          <p:cNvPr id="50" name="TextBox 49">
+            <a:extLst>
+              <a:ext uri="{FF2B5EF4-FFF2-40B4-BE49-F238E27FC236}">
+                <a16:creationId xmlns:a16="http://schemas.microsoft.com/office/drawing/2014/main" id="{D875C363-F480-B24F-8323-E05E6E41E5E6}"/>
+              </a:ext>
+            </a:extLst>
+          </p:cNvPr>
+          <p:cNvSpPr txBox="1"/>
+          <p:nvPr/>
+        </p:nvSpPr>
+        <p:spPr>
+          <a:xfrm>
+            <a:off x="6421364" y="4372408"/>
+            <a:ext cx="1594957" cy="646331"/>
+          </a:xfrm>
+          <a:prstGeom prst="rect">
+            <a:avLst/>
+          </a:prstGeom>
+          <a:noFill/>
+        </p:spPr>
+        <p:txBody>
+          <a:bodyPr wrap="square" rtlCol="0">
+            <a:spAutoFit/>
+          </a:bodyPr>
+          <a:lstStyle/>
+          <a:p>
+            <a:r>
+              <a:rPr lang="en-US" dirty="0"/>
+              <a:t>Entrada para o RNN (input)</a:t>
+            </a:r>
+          </a:p>
+        </p:txBody>
+      </p:sp>
+      <p:sp>
+        <p:nvSpPr>
+          <p:cNvPr id="51" name="Oval 50">
+            <a:extLst>
+              <a:ext uri="{FF2B5EF4-FFF2-40B4-BE49-F238E27FC236}">
+                <a16:creationId xmlns:a16="http://schemas.microsoft.com/office/drawing/2014/main" id="{B40B8035-9624-5D40-8BC1-A5D47FD712DD}"/>
+              </a:ext>
+            </a:extLst>
+          </p:cNvPr>
+          <p:cNvSpPr/>
+          <p:nvPr/>
+        </p:nvSpPr>
+        <p:spPr>
+          <a:xfrm>
+            <a:off x="9525000" y="2627313"/>
+            <a:ext cx="215900" cy="227013"/>
+          </a:xfrm>
+          <a:prstGeom prst="ellipse">
+            <a:avLst/>
+          </a:prstGeom>
+        </p:spPr>
+        <p:style>
+          <a:lnRef idx="2">
+            <a:schemeClr val="accent1">
+              <a:shade val="50000"/>
+            </a:schemeClr>
+          </a:lnRef>
+          <a:fillRef idx="1">
+            <a:schemeClr val="accent1"/>
+          </a:fillRef>
+          <a:effectRef idx="0">
+            <a:schemeClr val="accent1"/>
+          </a:effectRef>
+          <a:fontRef idx="minor">
+            <a:schemeClr val="lt1"/>
+          </a:fontRef>
+        </p:style>
+        <p:txBody>
+          <a:bodyPr rtlCol="0" anchor="ctr"/>
+          <a:lstStyle/>
+          <a:p>
+            <a:pPr algn="ctr"/>
+            <a:endParaRPr lang="en-US"/>
+          </a:p>
+        </p:txBody>
+      </p:sp>
+      <p:sp>
+        <p:nvSpPr>
+          <p:cNvPr id="52" name="Oval 51">
+            <a:extLst>
+              <a:ext uri="{FF2B5EF4-FFF2-40B4-BE49-F238E27FC236}">
+                <a16:creationId xmlns:a16="http://schemas.microsoft.com/office/drawing/2014/main" id="{1C3CBC0D-A59D-2E4D-9DDC-1419522A4FA9}"/>
+              </a:ext>
+            </a:extLst>
+          </p:cNvPr>
+          <p:cNvSpPr/>
+          <p:nvPr/>
+        </p:nvSpPr>
+        <p:spPr>
+          <a:xfrm>
+            <a:off x="9525000" y="3389313"/>
+            <a:ext cx="215900" cy="227013"/>
+          </a:xfrm>
+          <a:prstGeom prst="ellipse">
+            <a:avLst/>
+          </a:prstGeom>
+        </p:spPr>
+        <p:style>
+          <a:lnRef idx="2">
+            <a:schemeClr val="accent1">
+              <a:shade val="50000"/>
+            </a:schemeClr>
+          </a:lnRef>
+          <a:fillRef idx="1">
+            <a:schemeClr val="accent1"/>
+          </a:fillRef>
+          <a:effectRef idx="0">
+            <a:schemeClr val="accent1"/>
+          </a:effectRef>
+          <a:fontRef idx="minor">
+            <a:schemeClr val="lt1"/>
+          </a:fontRef>
+        </p:style>
+        <p:txBody>
+          <a:bodyPr rtlCol="0" anchor="ctr"/>
+          <a:lstStyle/>
+          <a:p>
+            <a:pPr algn="ctr"/>
+            <a:endParaRPr lang="en-US"/>
+          </a:p>
+        </p:txBody>
+      </p:sp>
+      <p:sp>
+        <p:nvSpPr>
+          <p:cNvPr id="53" name="Oval 52">
+            <a:extLst>
+              <a:ext uri="{FF2B5EF4-FFF2-40B4-BE49-F238E27FC236}">
+                <a16:creationId xmlns:a16="http://schemas.microsoft.com/office/drawing/2014/main" id="{83CC8111-6C46-E84B-AAF2-A4D16A4FA2EE}"/>
+              </a:ext>
+            </a:extLst>
+          </p:cNvPr>
+          <p:cNvSpPr/>
+          <p:nvPr/>
+        </p:nvSpPr>
+        <p:spPr>
+          <a:xfrm>
+            <a:off x="9525000" y="3020218"/>
+            <a:ext cx="215900" cy="227013"/>
+          </a:xfrm>
+          <a:prstGeom prst="ellipse">
+            <a:avLst/>
+          </a:prstGeom>
+        </p:spPr>
+        <p:style>
+          <a:lnRef idx="2">
+            <a:schemeClr val="accent1">
+              <a:shade val="50000"/>
+            </a:schemeClr>
+          </a:lnRef>
+          <a:fillRef idx="1">
+            <a:schemeClr val="accent1"/>
+          </a:fillRef>
+          <a:effectRef idx="0">
+            <a:schemeClr val="accent1"/>
+          </a:effectRef>
+          <a:fontRef idx="minor">
+            <a:schemeClr val="lt1"/>
+          </a:fontRef>
+        </p:style>
+        <p:txBody>
+          <a:bodyPr rtlCol="0" anchor="ctr"/>
+          <a:lstStyle/>
+          <a:p>
+            <a:pPr algn="ctr"/>
+            <a:endParaRPr lang="en-US"/>
+          </a:p>
+        </p:txBody>
+      </p:sp>
+      <p:sp>
+        <p:nvSpPr>
+          <p:cNvPr id="54" name="Oval 53">
+            <a:extLst>
+              <a:ext uri="{FF2B5EF4-FFF2-40B4-BE49-F238E27FC236}">
+                <a16:creationId xmlns:a16="http://schemas.microsoft.com/office/drawing/2014/main" id="{693991AA-4657-DD42-8EBD-D08C53FD3346}"/>
+              </a:ext>
+            </a:extLst>
+          </p:cNvPr>
+          <p:cNvSpPr/>
+          <p:nvPr/>
+        </p:nvSpPr>
+        <p:spPr>
+          <a:xfrm>
+            <a:off x="9525000" y="3734332"/>
+            <a:ext cx="215900" cy="227013"/>
+          </a:xfrm>
+          <a:prstGeom prst="ellipse">
+            <a:avLst/>
+          </a:prstGeom>
+        </p:spPr>
+        <p:style>
+          <a:lnRef idx="2">
+            <a:schemeClr val="accent1">
+              <a:shade val="50000"/>
+            </a:schemeClr>
+          </a:lnRef>
+          <a:fillRef idx="1">
+            <a:schemeClr val="accent1"/>
+          </a:fillRef>
+          <a:effectRef idx="0">
+            <a:schemeClr val="accent1"/>
+          </a:effectRef>
+          <a:fontRef idx="minor">
+            <a:schemeClr val="lt1"/>
+          </a:fontRef>
+        </p:style>
+        <p:txBody>
+          <a:bodyPr rtlCol="0" anchor="ctr"/>
+          <a:lstStyle/>
+          <a:p>
+            <a:pPr algn="ctr"/>
+            <a:endParaRPr lang="en-US"/>
+          </a:p>
+        </p:txBody>
+      </p:sp>
+      <p:sp>
+        <p:nvSpPr>
+          <p:cNvPr id="55" name="Oval 54">
+            <a:extLst>
+              <a:ext uri="{FF2B5EF4-FFF2-40B4-BE49-F238E27FC236}">
+                <a16:creationId xmlns:a16="http://schemas.microsoft.com/office/drawing/2014/main" id="{5C2F06E7-8354-794D-8BDA-4A1CA91B4176}"/>
+              </a:ext>
+            </a:extLst>
+          </p:cNvPr>
+          <p:cNvSpPr/>
+          <p:nvPr/>
+        </p:nvSpPr>
+        <p:spPr>
+          <a:xfrm>
+            <a:off x="9850644" y="2372519"/>
+            <a:ext cx="215900" cy="227013"/>
+          </a:xfrm>
+          <a:prstGeom prst="ellipse">
+            <a:avLst/>
+          </a:prstGeom>
+        </p:spPr>
+        <p:style>
+          <a:lnRef idx="2">
+            <a:schemeClr val="accent1">
+              <a:shade val="50000"/>
+            </a:schemeClr>
+          </a:lnRef>
+          <a:fillRef idx="1">
+            <a:schemeClr val="accent1"/>
+          </a:fillRef>
+          <a:effectRef idx="0">
+            <a:schemeClr val="accent1"/>
+          </a:effectRef>
+          <a:fontRef idx="minor">
+            <a:schemeClr val="lt1"/>
+          </a:fontRef>
+        </p:style>
+        <p:txBody>
+          <a:bodyPr rtlCol="0" anchor="ctr"/>
+          <a:lstStyle/>
+          <a:p>
+            <a:pPr algn="ctr"/>
+            <a:endParaRPr lang="en-US"/>
+          </a:p>
+        </p:txBody>
+      </p:sp>
+      <p:sp>
+        <p:nvSpPr>
+          <p:cNvPr id="56" name="Oval 55">
+            <a:extLst>
+              <a:ext uri="{FF2B5EF4-FFF2-40B4-BE49-F238E27FC236}">
+                <a16:creationId xmlns:a16="http://schemas.microsoft.com/office/drawing/2014/main" id="{DC4AD52F-DF4D-C347-B332-AC42A5B9021F}"/>
+              </a:ext>
+            </a:extLst>
+          </p:cNvPr>
+          <p:cNvSpPr/>
+          <p:nvPr/>
+        </p:nvSpPr>
+        <p:spPr>
+          <a:xfrm>
+            <a:off x="9850644" y="2754313"/>
+            <a:ext cx="215900" cy="227013"/>
+          </a:xfrm>
+          <a:prstGeom prst="ellipse">
+            <a:avLst/>
+          </a:prstGeom>
+        </p:spPr>
+        <p:style>
+          <a:lnRef idx="2">
+            <a:schemeClr val="accent1">
+              <a:shade val="50000"/>
+            </a:schemeClr>
+          </a:lnRef>
+          <a:fillRef idx="1">
+            <a:schemeClr val="accent1"/>
+          </a:fillRef>
+          <a:effectRef idx="0">
+            <a:schemeClr val="accent1"/>
+          </a:effectRef>
+          <a:fontRef idx="minor">
+            <a:schemeClr val="lt1"/>
+          </a:fontRef>
+        </p:style>
+        <p:txBody>
+          <a:bodyPr rtlCol="0" anchor="ctr"/>
+          <a:lstStyle/>
+          <a:p>
+            <a:pPr algn="ctr"/>
+            <a:endParaRPr lang="en-US"/>
+          </a:p>
+        </p:txBody>
+      </p:sp>
+      <p:sp>
+        <p:nvSpPr>
+          <p:cNvPr id="57" name="Oval 56">
+            <a:extLst>
+              <a:ext uri="{FF2B5EF4-FFF2-40B4-BE49-F238E27FC236}">
+                <a16:creationId xmlns:a16="http://schemas.microsoft.com/office/drawing/2014/main" id="{1B011D59-7CDF-A34F-B97B-DC1B41CF0E5F}"/>
+              </a:ext>
+            </a:extLst>
+          </p:cNvPr>
+          <p:cNvSpPr/>
+          <p:nvPr/>
+        </p:nvSpPr>
+        <p:spPr>
+          <a:xfrm>
+            <a:off x="9868573" y="3207543"/>
+            <a:ext cx="215900" cy="227013"/>
+          </a:xfrm>
+          <a:prstGeom prst="ellipse">
+            <a:avLst/>
+          </a:prstGeom>
+        </p:spPr>
+        <p:style>
+          <a:lnRef idx="2">
+            <a:schemeClr val="accent1">
+              <a:shade val="50000"/>
+            </a:schemeClr>
+          </a:lnRef>
+          <a:fillRef idx="1">
+            <a:schemeClr val="accent1"/>
+          </a:fillRef>
+          <a:effectRef idx="0">
+            <a:schemeClr val="accent1"/>
+          </a:effectRef>
+          <a:fontRef idx="minor">
+            <a:schemeClr val="lt1"/>
+          </a:fontRef>
+        </p:style>
+        <p:txBody>
+          <a:bodyPr rtlCol="0" anchor="ctr"/>
+          <a:lstStyle/>
+          <a:p>
+            <a:pPr algn="ctr"/>
+            <a:endParaRPr lang="en-US"/>
+          </a:p>
+        </p:txBody>
+      </p:sp>
+      <p:sp>
+        <p:nvSpPr>
+          <p:cNvPr id="58" name="Oval 57">
+            <a:extLst>
+              <a:ext uri="{FF2B5EF4-FFF2-40B4-BE49-F238E27FC236}">
+                <a16:creationId xmlns:a16="http://schemas.microsoft.com/office/drawing/2014/main" id="{1583CE70-A0E1-0545-A423-E6E59AFC7123}"/>
+              </a:ext>
+            </a:extLst>
+          </p:cNvPr>
+          <p:cNvSpPr/>
+          <p:nvPr/>
+        </p:nvSpPr>
+        <p:spPr>
+          <a:xfrm>
+            <a:off x="9850644" y="4000500"/>
+            <a:ext cx="215900" cy="227013"/>
+          </a:xfrm>
+          <a:prstGeom prst="ellipse">
+            <a:avLst/>
+          </a:prstGeom>
+        </p:spPr>
+        <p:style>
+          <a:lnRef idx="2">
+            <a:schemeClr val="accent1">
+              <a:shade val="50000"/>
+            </a:schemeClr>
+          </a:lnRef>
+          <a:fillRef idx="1">
+            <a:schemeClr val="accent1"/>
+          </a:fillRef>
+          <a:effectRef idx="0">
+            <a:schemeClr val="accent1"/>
+          </a:effectRef>
+          <a:fontRef idx="minor">
+            <a:schemeClr val="lt1"/>
+          </a:fontRef>
+        </p:style>
+        <p:txBody>
+          <a:bodyPr rtlCol="0" anchor="ctr"/>
+          <a:lstStyle/>
+          <a:p>
+            <a:pPr algn="ctr"/>
+            <a:endParaRPr lang="en-US"/>
+          </a:p>
+        </p:txBody>
+      </p:sp>
+      <p:sp>
+        <p:nvSpPr>
+          <p:cNvPr id="59" name="Oval 58">
+            <a:extLst>
+              <a:ext uri="{FF2B5EF4-FFF2-40B4-BE49-F238E27FC236}">
+                <a16:creationId xmlns:a16="http://schemas.microsoft.com/office/drawing/2014/main" id="{D59A5D77-FD91-2C49-85B8-AA26A8DEE3D8}"/>
+              </a:ext>
+            </a:extLst>
+          </p:cNvPr>
+          <p:cNvSpPr/>
+          <p:nvPr/>
+        </p:nvSpPr>
+        <p:spPr>
+          <a:xfrm>
+            <a:off x="9848850" y="3609450"/>
+            <a:ext cx="215900" cy="227013"/>
+          </a:xfrm>
+          <a:prstGeom prst="ellipse">
+            <a:avLst/>
+          </a:prstGeom>
+        </p:spPr>
+        <p:style>
+          <a:lnRef idx="2">
+            <a:schemeClr val="accent1">
+              <a:shade val="50000"/>
+            </a:schemeClr>
+          </a:lnRef>
+          <a:fillRef idx="1">
+            <a:schemeClr val="accent1"/>
+          </a:fillRef>
+          <a:effectRef idx="0">
+            <a:schemeClr val="accent1"/>
+          </a:effectRef>
+          <a:fontRef idx="minor">
+            <a:schemeClr val="lt1"/>
+          </a:fontRef>
+        </p:style>
+        <p:txBody>
+          <a:bodyPr rtlCol="0" anchor="ctr"/>
+          <a:lstStyle/>
+          <a:p>
+            <a:pPr algn="ctr"/>
+            <a:endParaRPr lang="en-US"/>
+          </a:p>
+        </p:txBody>
+      </p:sp>
+      <p:cxnSp>
+        <p:nvCxnSpPr>
+          <p:cNvPr id="69" name="Straight Connector 68">
+            <a:extLst>
+              <a:ext uri="{FF2B5EF4-FFF2-40B4-BE49-F238E27FC236}">
+                <a16:creationId xmlns:a16="http://schemas.microsoft.com/office/drawing/2014/main" id="{06FDD8C9-566D-104A-B681-9608EA9E4C07}"/>
+              </a:ext>
+            </a:extLst>
+          </p:cNvPr>
+          <p:cNvCxnSpPr>
+            <a:cxnSpLocks/>
+          </p:cNvCxnSpPr>
+          <p:nvPr/>
+        </p:nvCxnSpPr>
+        <p:spPr>
+          <a:xfrm>
+            <a:off x="9861682" y="4080500"/>
+            <a:ext cx="172980" cy="105645"/>
+          </a:xfrm>
+          <a:prstGeom prst="line">
+            <a:avLst/>
+          </a:prstGeom>
+        </p:spPr>
+        <p:style>
+          <a:lnRef idx="1">
+            <a:schemeClr val="accent1"/>
+          </a:lnRef>
+          <a:fillRef idx="0">
+            <a:schemeClr val="accent1"/>
+          </a:fillRef>
+          <a:effectRef idx="0">
+            <a:schemeClr val="accent1"/>
+          </a:effectRef>
+          <a:fontRef idx="minor">
+            <a:schemeClr val="tx1"/>
+          </a:fontRef>
+        </p:style>
+      </p:cxnSp>
+      <p:cxnSp>
+        <p:nvCxnSpPr>
+          <p:cNvPr id="72" name="Straight Connector 71">
+            <a:extLst>
+              <a:ext uri="{FF2B5EF4-FFF2-40B4-BE49-F238E27FC236}">
+                <a16:creationId xmlns:a16="http://schemas.microsoft.com/office/drawing/2014/main" id="{E7EA9021-198C-0146-9BA1-E830F1A87F5E}"/>
+              </a:ext>
+            </a:extLst>
+          </p:cNvPr>
+          <p:cNvCxnSpPr>
+            <a:cxnSpLocks/>
+          </p:cNvCxnSpPr>
+          <p:nvPr/>
+        </p:nvCxnSpPr>
+        <p:spPr>
+          <a:xfrm flipV="1">
+            <a:off x="9721982" y="2565578"/>
+            <a:ext cx="139568" cy="120380"/>
+          </a:xfrm>
+          <a:prstGeom prst="line">
+            <a:avLst/>
+          </a:prstGeom>
+        </p:spPr>
+        <p:style>
+          <a:lnRef idx="1">
+            <a:schemeClr val="accent1"/>
+          </a:lnRef>
+          <a:fillRef idx="0">
+            <a:schemeClr val="accent1"/>
+          </a:fillRef>
+          <a:effectRef idx="0">
+            <a:schemeClr val="accent1"/>
+          </a:effectRef>
+          <a:fontRef idx="minor">
+            <a:schemeClr val="tx1"/>
+          </a:fontRef>
+        </p:style>
+      </p:cxnSp>
+      <p:cxnSp>
+        <p:nvCxnSpPr>
+          <p:cNvPr id="75" name="Straight Connector 74">
+            <a:extLst>
+              <a:ext uri="{FF2B5EF4-FFF2-40B4-BE49-F238E27FC236}">
+                <a16:creationId xmlns:a16="http://schemas.microsoft.com/office/drawing/2014/main" id="{4960F4F2-D5B2-2C42-932E-41856ED756E6}"/>
+              </a:ext>
+            </a:extLst>
+          </p:cNvPr>
+          <p:cNvCxnSpPr>
+            <a:cxnSpLocks/>
+          </p:cNvCxnSpPr>
+          <p:nvPr/>
+        </p:nvCxnSpPr>
+        <p:spPr>
+          <a:xfrm flipV="1">
+            <a:off x="9721982" y="2946578"/>
+            <a:ext cx="139568" cy="120380"/>
+          </a:xfrm>
+          <a:prstGeom prst="line">
+            <a:avLst/>
+          </a:prstGeom>
+        </p:spPr>
+        <p:style>
+          <a:lnRef idx="1">
+            <a:schemeClr val="accent1"/>
+          </a:lnRef>
+          <a:fillRef idx="0">
+            <a:schemeClr val="accent1"/>
+          </a:fillRef>
+          <a:effectRef idx="0">
+            <a:schemeClr val="accent1"/>
+          </a:effectRef>
+          <a:fontRef idx="minor">
+            <a:schemeClr val="tx1"/>
+          </a:fontRef>
+        </p:style>
+      </p:cxnSp>
+      <p:cxnSp>
+        <p:nvCxnSpPr>
+          <p:cNvPr id="76" name="Straight Connector 75">
+            <a:extLst>
+              <a:ext uri="{FF2B5EF4-FFF2-40B4-BE49-F238E27FC236}">
+                <a16:creationId xmlns:a16="http://schemas.microsoft.com/office/drawing/2014/main" id="{9052241D-5163-D649-8A3C-9A9DDE09C74B}"/>
+              </a:ext>
+            </a:extLst>
+          </p:cNvPr>
+          <p:cNvCxnSpPr>
+            <a:cxnSpLocks/>
+          </p:cNvCxnSpPr>
+          <p:nvPr/>
+        </p:nvCxnSpPr>
+        <p:spPr>
+          <a:xfrm flipV="1">
+            <a:off x="9696582" y="3371850"/>
+            <a:ext cx="159291" cy="101508"/>
+          </a:xfrm>
+          <a:prstGeom prst="line">
+            <a:avLst/>
+          </a:prstGeom>
+        </p:spPr>
+        <p:style>
+          <a:lnRef idx="1">
+            <a:schemeClr val="accent1"/>
+          </a:lnRef>
+          <a:fillRef idx="0">
+            <a:schemeClr val="accent1"/>
+          </a:fillRef>
+          <a:effectRef idx="0">
+            <a:schemeClr val="accent1"/>
+          </a:effectRef>
+          <a:fontRef idx="minor">
+            <a:schemeClr val="tx1"/>
+          </a:fontRef>
+        </p:style>
+      </p:cxnSp>
+      <p:cxnSp>
+        <p:nvCxnSpPr>
+          <p:cNvPr id="80" name="Straight Connector 79">
+            <a:extLst>
+              <a:ext uri="{FF2B5EF4-FFF2-40B4-BE49-F238E27FC236}">
+                <a16:creationId xmlns:a16="http://schemas.microsoft.com/office/drawing/2014/main" id="{5FDB3BBE-A8BF-FC42-B205-E8455971B943}"/>
+              </a:ext>
+            </a:extLst>
+          </p:cNvPr>
+          <p:cNvCxnSpPr>
+            <a:cxnSpLocks/>
+            <a:stCxn id="59" idx="6"/>
+            <a:endCxn id="54" idx="3"/>
+          </p:cNvCxnSpPr>
+          <p:nvPr/>
+        </p:nvCxnSpPr>
+        <p:spPr>
+          <a:xfrm flipH="1">
+            <a:off x="9556618" y="3722957"/>
+            <a:ext cx="508132" cy="205143"/>
+          </a:xfrm>
+          <a:prstGeom prst="line">
+            <a:avLst/>
+          </a:prstGeom>
+        </p:spPr>
+        <p:style>
+          <a:lnRef idx="1">
+            <a:schemeClr val="accent1"/>
+          </a:lnRef>
+          <a:fillRef idx="0">
+            <a:schemeClr val="accent1"/>
+          </a:fillRef>
+          <a:effectRef idx="0">
+            <a:schemeClr val="accent1"/>
+          </a:effectRef>
+          <a:fontRef idx="minor">
+            <a:schemeClr val="tx1"/>
+          </a:fontRef>
+        </p:style>
+      </p:cxnSp>
+      <p:cxnSp>
+        <p:nvCxnSpPr>
+          <p:cNvPr id="85" name="Straight Connector 84">
+            <a:extLst>
+              <a:ext uri="{FF2B5EF4-FFF2-40B4-BE49-F238E27FC236}">
+                <a16:creationId xmlns:a16="http://schemas.microsoft.com/office/drawing/2014/main" id="{C6B59015-75E9-144B-8106-F56672F68213}"/>
+              </a:ext>
+            </a:extLst>
+          </p:cNvPr>
+          <p:cNvCxnSpPr>
+            <a:cxnSpLocks/>
+            <a:stCxn id="58" idx="6"/>
+          </p:cNvCxnSpPr>
+          <p:nvPr/>
+        </p:nvCxnSpPr>
+        <p:spPr>
+          <a:xfrm flipH="1" flipV="1">
+            <a:off x="9683750" y="3892111"/>
+            <a:ext cx="382794" cy="221896"/>
+          </a:xfrm>
+          <a:prstGeom prst="line">
+            <a:avLst/>
+          </a:prstGeom>
+        </p:spPr>
+        <p:style>
+          <a:lnRef idx="1">
+            <a:schemeClr val="accent1"/>
+          </a:lnRef>
+          <a:fillRef idx="0">
+            <a:schemeClr val="accent1"/>
+          </a:fillRef>
+          <a:effectRef idx="0">
+            <a:schemeClr val="accent1"/>
+          </a:effectRef>
+          <a:fontRef idx="minor">
+            <a:schemeClr val="tx1"/>
+          </a:fontRef>
+        </p:style>
+      </p:cxnSp>
+      <p:cxnSp>
+        <p:nvCxnSpPr>
+          <p:cNvPr id="88" name="Straight Connector 87">
+            <a:extLst>
+              <a:ext uri="{FF2B5EF4-FFF2-40B4-BE49-F238E27FC236}">
+                <a16:creationId xmlns:a16="http://schemas.microsoft.com/office/drawing/2014/main" id="{0EA42A46-1DD9-7C44-A4C3-D4208F713B17}"/>
+              </a:ext>
+            </a:extLst>
+          </p:cNvPr>
+          <p:cNvCxnSpPr>
+            <a:cxnSpLocks/>
+            <a:stCxn id="53" idx="7"/>
+            <a:endCxn id="55" idx="3"/>
+          </p:cNvCxnSpPr>
+          <p:nvPr/>
+        </p:nvCxnSpPr>
+        <p:spPr>
+          <a:xfrm flipV="1">
+            <a:off x="9709282" y="2566287"/>
+            <a:ext cx="172980" cy="487176"/>
+          </a:xfrm>
+          <a:prstGeom prst="line">
+            <a:avLst/>
+          </a:prstGeom>
+        </p:spPr>
+        <p:style>
+          <a:lnRef idx="1">
+            <a:schemeClr val="accent1"/>
+          </a:lnRef>
+          <a:fillRef idx="0">
+            <a:schemeClr val="accent1"/>
+          </a:fillRef>
+          <a:effectRef idx="0">
+            <a:schemeClr val="accent1"/>
+          </a:effectRef>
+          <a:fontRef idx="minor">
+            <a:schemeClr val="tx1"/>
+          </a:fontRef>
+        </p:style>
+      </p:cxnSp>
+      <p:cxnSp>
+        <p:nvCxnSpPr>
+          <p:cNvPr id="91" name="Straight Connector 90">
+            <a:extLst>
+              <a:ext uri="{FF2B5EF4-FFF2-40B4-BE49-F238E27FC236}">
+                <a16:creationId xmlns:a16="http://schemas.microsoft.com/office/drawing/2014/main" id="{7536988B-5889-7E40-ACE3-9531456F7ACF}"/>
+              </a:ext>
+            </a:extLst>
+          </p:cNvPr>
+          <p:cNvCxnSpPr>
+            <a:cxnSpLocks/>
+            <a:stCxn id="52" idx="7"/>
+            <a:endCxn id="58" idx="1"/>
+          </p:cNvCxnSpPr>
+          <p:nvPr/>
+        </p:nvCxnSpPr>
+        <p:spPr>
+          <a:xfrm>
+            <a:off x="9709282" y="3422558"/>
+            <a:ext cx="172980" cy="611187"/>
+          </a:xfrm>
+          <a:prstGeom prst="line">
+            <a:avLst/>
+          </a:prstGeom>
+        </p:spPr>
+        <p:style>
+          <a:lnRef idx="1">
+            <a:schemeClr val="accent1"/>
+          </a:lnRef>
+          <a:fillRef idx="0">
+            <a:schemeClr val="accent1"/>
+          </a:fillRef>
+          <a:effectRef idx="0">
+            <a:schemeClr val="accent1"/>
+          </a:effectRef>
+          <a:fontRef idx="minor">
+            <a:schemeClr val="tx1"/>
+          </a:fontRef>
+        </p:style>
+      </p:cxnSp>
+      <p:cxnSp>
+        <p:nvCxnSpPr>
+          <p:cNvPr id="94" name="Straight Connector 93">
+            <a:extLst>
+              <a:ext uri="{FF2B5EF4-FFF2-40B4-BE49-F238E27FC236}">
+                <a16:creationId xmlns:a16="http://schemas.microsoft.com/office/drawing/2014/main" id="{48B55576-C018-4F42-92F7-46A46C8E9186}"/>
+              </a:ext>
+            </a:extLst>
+          </p:cNvPr>
+          <p:cNvCxnSpPr>
+            <a:cxnSpLocks/>
+            <a:stCxn id="52" idx="6"/>
+            <a:endCxn id="59" idx="5"/>
+          </p:cNvCxnSpPr>
+          <p:nvPr/>
+        </p:nvCxnSpPr>
+        <p:spPr>
+          <a:xfrm>
+            <a:off x="9740900" y="3502820"/>
+            <a:ext cx="292232" cy="300398"/>
+          </a:xfrm>
+          <a:prstGeom prst="line">
+            <a:avLst/>
+          </a:prstGeom>
+        </p:spPr>
+        <p:style>
+          <a:lnRef idx="1">
+            <a:schemeClr val="accent1"/>
+          </a:lnRef>
+          <a:fillRef idx="0">
+            <a:schemeClr val="accent1"/>
+          </a:fillRef>
+          <a:effectRef idx="0">
+            <a:schemeClr val="accent1"/>
+          </a:effectRef>
+          <a:fontRef idx="minor">
+            <a:schemeClr val="tx1"/>
+          </a:fontRef>
+        </p:style>
+      </p:cxnSp>
+      <p:cxnSp>
+        <p:nvCxnSpPr>
+          <p:cNvPr id="98" name="Straight Connector 97">
+            <a:extLst>
+              <a:ext uri="{FF2B5EF4-FFF2-40B4-BE49-F238E27FC236}">
+                <a16:creationId xmlns:a16="http://schemas.microsoft.com/office/drawing/2014/main" id="{71789F31-BC72-7D4F-8477-89ED6A5D0709}"/>
+              </a:ext>
+            </a:extLst>
+          </p:cNvPr>
+          <p:cNvCxnSpPr>
+            <a:cxnSpLocks/>
+            <a:stCxn id="52" idx="6"/>
+            <a:endCxn id="56" idx="3"/>
+          </p:cNvCxnSpPr>
+          <p:nvPr/>
+        </p:nvCxnSpPr>
+        <p:spPr>
+          <a:xfrm flipV="1">
+            <a:off x="9740900" y="2948081"/>
+            <a:ext cx="141362" cy="554739"/>
+          </a:xfrm>
+          <a:prstGeom prst="line">
+            <a:avLst/>
+          </a:prstGeom>
+        </p:spPr>
+        <p:style>
+          <a:lnRef idx="1">
+            <a:schemeClr val="accent1"/>
+          </a:lnRef>
+          <a:fillRef idx="0">
+            <a:schemeClr val="accent1"/>
+          </a:fillRef>
+          <a:effectRef idx="0">
+            <a:schemeClr val="accent1"/>
+          </a:effectRef>
+          <a:fontRef idx="minor">
+            <a:schemeClr val="tx1"/>
+          </a:fontRef>
+        </p:style>
+      </p:cxnSp>
+      <p:cxnSp>
+        <p:nvCxnSpPr>
+          <p:cNvPr id="104" name="Curved Connector 103">
+            <a:extLst>
+              <a:ext uri="{FF2B5EF4-FFF2-40B4-BE49-F238E27FC236}">
+                <a16:creationId xmlns:a16="http://schemas.microsoft.com/office/drawing/2014/main" id="{33201DC4-2EBE-8A48-BFD2-29D22C48A129}"/>
+              </a:ext>
+            </a:extLst>
+          </p:cNvPr>
+          <p:cNvCxnSpPr>
+            <a:stCxn id="55" idx="6"/>
+          </p:cNvCxnSpPr>
+          <p:nvPr/>
+        </p:nvCxnSpPr>
+        <p:spPr>
+          <a:xfrm flipH="1" flipV="1">
+            <a:off x="9976523" y="2358889"/>
+            <a:ext cx="90021" cy="127137"/>
+          </a:xfrm>
+          <a:prstGeom prst="curvedConnector4">
+            <a:avLst>
+              <a:gd name="adj1" fmla="val -225725"/>
+              <a:gd name="adj2" fmla="val 284435"/>
+            </a:avLst>
+          </a:prstGeom>
+          <a:ln>
+            <a:tailEnd type="triangle"/>
+          </a:ln>
+        </p:spPr>
+        <p:style>
+          <a:lnRef idx="1">
+            <a:schemeClr val="accent1"/>
+          </a:lnRef>
+          <a:fillRef idx="0">
+            <a:schemeClr val="accent1"/>
+          </a:fillRef>
+          <a:effectRef idx="0">
+            <a:schemeClr val="accent1"/>
+          </a:effectRef>
+          <a:fontRef idx="minor">
+            <a:schemeClr val="tx1"/>
+          </a:fontRef>
+        </p:style>
+      </p:cxnSp>
+      <p:cxnSp>
+        <p:nvCxnSpPr>
+          <p:cNvPr id="115" name="Curved Connector 114">
+            <a:extLst>
+              <a:ext uri="{FF2B5EF4-FFF2-40B4-BE49-F238E27FC236}">
+                <a16:creationId xmlns:a16="http://schemas.microsoft.com/office/drawing/2014/main" id="{F5E6F061-5E2C-7E42-9FF1-C58211F1DC6B}"/>
+              </a:ext>
+            </a:extLst>
+          </p:cNvPr>
+          <p:cNvCxnSpPr/>
+          <p:nvPr/>
+        </p:nvCxnSpPr>
+        <p:spPr>
+          <a:xfrm flipH="1" flipV="1">
+            <a:off x="9976523" y="2764741"/>
+            <a:ext cx="90021" cy="127137"/>
+          </a:xfrm>
+          <a:prstGeom prst="curvedConnector4">
+            <a:avLst>
+              <a:gd name="adj1" fmla="val -225725"/>
+              <a:gd name="adj2" fmla="val 224500"/>
+            </a:avLst>
+          </a:prstGeom>
+          <a:ln>
+            <a:tailEnd type="triangle"/>
+          </a:ln>
+        </p:spPr>
+        <p:style>
+          <a:lnRef idx="1">
+            <a:schemeClr val="accent1"/>
+          </a:lnRef>
+          <a:fillRef idx="0">
+            <a:schemeClr val="accent1"/>
+          </a:fillRef>
+          <a:effectRef idx="0">
+            <a:schemeClr val="accent1"/>
+          </a:effectRef>
+          <a:fontRef idx="minor">
+            <a:schemeClr val="tx1"/>
+          </a:fontRef>
+        </p:style>
+      </p:cxnSp>
+      <p:cxnSp>
+        <p:nvCxnSpPr>
+          <p:cNvPr id="117" name="Curved Connector 116">
+            <a:extLst>
+              <a:ext uri="{FF2B5EF4-FFF2-40B4-BE49-F238E27FC236}">
+                <a16:creationId xmlns:a16="http://schemas.microsoft.com/office/drawing/2014/main" id="{FB232518-1F16-414A-8F51-B71C786BB3E4}"/>
+              </a:ext>
+            </a:extLst>
+          </p:cNvPr>
+          <p:cNvCxnSpPr/>
+          <p:nvPr/>
+        </p:nvCxnSpPr>
+        <p:spPr>
+          <a:xfrm flipH="1" flipV="1">
+            <a:off x="9997831" y="3207791"/>
+            <a:ext cx="90021" cy="127137"/>
+          </a:xfrm>
+          <a:prstGeom prst="curvedConnector4">
+            <a:avLst>
+              <a:gd name="adj1" fmla="val -211617"/>
+              <a:gd name="adj2" fmla="val 224500"/>
+            </a:avLst>
+          </a:prstGeom>
+          <a:ln>
+            <a:tailEnd type="triangle"/>
+          </a:ln>
+        </p:spPr>
+        <p:style>
+          <a:lnRef idx="1">
+            <a:schemeClr val="accent1"/>
+          </a:lnRef>
+          <a:fillRef idx="0">
+            <a:schemeClr val="accent1"/>
+          </a:fillRef>
+          <a:effectRef idx="0">
+            <a:schemeClr val="accent1"/>
+          </a:effectRef>
+          <a:fontRef idx="minor">
+            <a:schemeClr val="tx1"/>
+          </a:fontRef>
+        </p:style>
+      </p:cxnSp>
+      <p:cxnSp>
+        <p:nvCxnSpPr>
+          <p:cNvPr id="119" name="Curved Connector 118">
+            <a:extLst>
+              <a:ext uri="{FF2B5EF4-FFF2-40B4-BE49-F238E27FC236}">
+                <a16:creationId xmlns:a16="http://schemas.microsoft.com/office/drawing/2014/main" id="{0F9CF66F-A9D9-714E-8749-661FCE4FBCF2}"/>
+              </a:ext>
+            </a:extLst>
+          </p:cNvPr>
+          <p:cNvCxnSpPr/>
+          <p:nvPr/>
+        </p:nvCxnSpPr>
+        <p:spPr>
+          <a:xfrm flipH="1" flipV="1">
+            <a:off x="10013390" y="3614804"/>
+            <a:ext cx="90021" cy="127137"/>
+          </a:xfrm>
+          <a:prstGeom prst="curvedConnector4">
+            <a:avLst>
+              <a:gd name="adj1" fmla="val -183402"/>
+              <a:gd name="adj2" fmla="val 224500"/>
+            </a:avLst>
+          </a:prstGeom>
+          <a:ln>
+            <a:tailEnd type="triangle"/>
+          </a:ln>
+        </p:spPr>
+        <p:style>
+          <a:lnRef idx="1">
+            <a:schemeClr val="accent1"/>
+          </a:lnRef>
+          <a:fillRef idx="0">
+            <a:schemeClr val="accent1"/>
+          </a:fillRef>
+          <a:effectRef idx="0">
+            <a:schemeClr val="accent1"/>
+          </a:effectRef>
+          <a:fontRef idx="minor">
+            <a:schemeClr val="tx1"/>
+          </a:fontRef>
+        </p:style>
+      </p:cxnSp>
+      <p:cxnSp>
+        <p:nvCxnSpPr>
+          <p:cNvPr id="122" name="Curved Connector 121">
+            <a:extLst>
+              <a:ext uri="{FF2B5EF4-FFF2-40B4-BE49-F238E27FC236}">
+                <a16:creationId xmlns:a16="http://schemas.microsoft.com/office/drawing/2014/main" id="{952D76A5-5F80-E244-A8B3-F9EF9E6F473F}"/>
+              </a:ext>
+            </a:extLst>
+          </p:cNvPr>
+          <p:cNvCxnSpPr/>
+          <p:nvPr/>
+        </p:nvCxnSpPr>
+        <p:spPr>
+          <a:xfrm flipH="1" flipV="1">
+            <a:off x="10013390" y="4020826"/>
+            <a:ext cx="90021" cy="127137"/>
+          </a:xfrm>
+          <a:prstGeom prst="curvedConnector4">
+            <a:avLst>
+              <a:gd name="adj1" fmla="val -183402"/>
+              <a:gd name="adj2" fmla="val 224500"/>
+            </a:avLst>
+          </a:prstGeom>
+          <a:ln>
+            <a:tailEnd type="triangle"/>
+          </a:ln>
+        </p:spPr>
+        <p:style>
+          <a:lnRef idx="1">
+            <a:schemeClr val="accent1"/>
+          </a:lnRef>
+          <a:fillRef idx="0">
+            <a:schemeClr val="accent1"/>
+          </a:fillRef>
+          <a:effectRef idx="0">
+            <a:schemeClr val="accent1"/>
+          </a:effectRef>
+          <a:fontRef idx="minor">
+            <a:schemeClr val="tx1"/>
+          </a:fontRef>
+        </p:style>
+      </p:cxnSp>
+      <p:sp>
+        <p:nvSpPr>
+          <p:cNvPr id="123" name="TextBox 122">
+            <a:extLst>
+              <a:ext uri="{FF2B5EF4-FFF2-40B4-BE49-F238E27FC236}">
+                <a16:creationId xmlns:a16="http://schemas.microsoft.com/office/drawing/2014/main" id="{EAEF4BA9-108B-9A48-B251-8AC2F751EF08}"/>
+              </a:ext>
+            </a:extLst>
+          </p:cNvPr>
+          <p:cNvSpPr txBox="1"/>
+          <p:nvPr/>
+        </p:nvSpPr>
+        <p:spPr>
+          <a:xfrm>
+            <a:off x="9443011" y="1580138"/>
+            <a:ext cx="1320800" cy="646331"/>
+          </a:xfrm>
+          <a:prstGeom prst="rect">
+            <a:avLst/>
+          </a:prstGeom>
+          <a:noFill/>
+        </p:spPr>
+        <p:txBody>
+          <a:bodyPr wrap="square" rtlCol="0">
+            <a:spAutoFit/>
+          </a:bodyPr>
+          <a:lstStyle/>
+          <a:p>
+            <a:r>
+              <a:rPr lang="en-US" dirty="0" err="1"/>
+              <a:t>Modelo</a:t>
+            </a:r>
+            <a:r>
+              <a:rPr lang="en-US" dirty="0"/>
+              <a:t> </a:t>
+            </a:r>
+            <a:r>
+              <a:rPr lang="en-US" dirty="0" err="1"/>
+              <a:t>treinado</a:t>
+            </a:r>
+            <a:endParaRPr lang="en-US" dirty="0"/>
+          </a:p>
+        </p:txBody>
+      </p:sp>
+      <p:sp>
+        <p:nvSpPr>
+          <p:cNvPr id="124" name="Right Arrow 123">
+            <a:extLst>
+              <a:ext uri="{FF2B5EF4-FFF2-40B4-BE49-F238E27FC236}">
+                <a16:creationId xmlns:a16="http://schemas.microsoft.com/office/drawing/2014/main" id="{4B4FE964-1FCB-9644-9627-7F3CDC9A676D}"/>
+              </a:ext>
+            </a:extLst>
+          </p:cNvPr>
+          <p:cNvSpPr/>
+          <p:nvPr/>
+        </p:nvSpPr>
+        <p:spPr>
+          <a:xfrm rot="5400000">
+            <a:off x="9420272" y="4438236"/>
+            <a:ext cx="945792" cy="673100"/>
+          </a:xfrm>
+          <a:prstGeom prst="rightArrow">
+            <a:avLst/>
+          </a:prstGeom>
+        </p:spPr>
+        <p:style>
+          <a:lnRef idx="2">
+            <a:schemeClr val="dk1">
+              <a:shade val="50000"/>
+            </a:schemeClr>
+          </a:lnRef>
+          <a:fillRef idx="1">
+            <a:schemeClr val="dk1"/>
+          </a:fillRef>
+          <a:effectRef idx="0">
+            <a:schemeClr val="dk1"/>
+          </a:effectRef>
+          <a:fontRef idx="minor">
+            <a:schemeClr val="lt1"/>
+          </a:fontRef>
+        </p:style>
+        <p:txBody>
+          <a:bodyPr rtlCol="0" anchor="ctr"/>
+          <a:lstStyle/>
+          <a:p>
+            <a:pPr algn="ctr"/>
+            <a:endParaRPr lang="en-US"/>
+          </a:p>
+        </p:txBody>
+      </p:sp>
+      <p:sp>
+        <p:nvSpPr>
+          <p:cNvPr id="126" name="Rectangle 125">
+            <a:extLst>
+              <a:ext uri="{FF2B5EF4-FFF2-40B4-BE49-F238E27FC236}">
+                <a16:creationId xmlns:a16="http://schemas.microsoft.com/office/drawing/2014/main" id="{30C2259E-19E6-A147-BF4D-A4CD0DA00DBF}"/>
+              </a:ext>
+            </a:extLst>
+          </p:cNvPr>
+          <p:cNvSpPr/>
+          <p:nvPr/>
+        </p:nvSpPr>
+        <p:spPr>
+          <a:xfrm>
+            <a:off x="7428827" y="5388045"/>
+            <a:ext cx="622300" cy="736600"/>
+          </a:xfrm>
+          <a:prstGeom prst="rect">
+            <a:avLst/>
+          </a:prstGeom>
+          <a:solidFill>
+            <a:schemeClr val="bg1"/>
+          </a:solidFill>
+          <a:ln w="38100">
+            <a:solidFill>
+              <a:schemeClr val="tx1"/>
+            </a:solidFill>
+          </a:ln>
+        </p:spPr>
+        <p:style>
+          <a:lnRef idx="2">
+            <a:schemeClr val="accent6"/>
+          </a:lnRef>
+          <a:fillRef idx="1">
+            <a:schemeClr val="lt1"/>
+          </a:fillRef>
+          <a:effectRef idx="0">
+            <a:schemeClr val="accent6"/>
+          </a:effectRef>
+          <a:fontRef idx="minor">
+            <a:schemeClr val="dk1"/>
+          </a:fontRef>
+        </p:style>
+        <p:txBody>
+          <a:bodyPr rtlCol="0" anchor="ctr"/>
+          <a:lstStyle/>
+          <a:p>
+            <a:pPr algn="ctr"/>
+            <a:endParaRPr lang="en-US"/>
+          </a:p>
+        </p:txBody>
+      </p:sp>
+      <p:sp>
+        <p:nvSpPr>
+          <p:cNvPr id="127" name="Right Arrow 126">
+            <a:extLst>
+              <a:ext uri="{FF2B5EF4-FFF2-40B4-BE49-F238E27FC236}">
+                <a16:creationId xmlns:a16="http://schemas.microsoft.com/office/drawing/2014/main" id="{27DA6FF6-C8B5-ED44-8040-36338FDD04D6}"/>
+              </a:ext>
+            </a:extLst>
+          </p:cNvPr>
+          <p:cNvSpPr/>
+          <p:nvPr/>
+        </p:nvSpPr>
+        <p:spPr>
+          <a:xfrm>
+            <a:off x="8216900" y="5419795"/>
+            <a:ext cx="989927" cy="673100"/>
+          </a:xfrm>
+          <a:prstGeom prst="rightArrow">
+            <a:avLst/>
+          </a:prstGeom>
+        </p:spPr>
+        <p:style>
+          <a:lnRef idx="2">
+            <a:schemeClr val="dk1">
+              <a:shade val="50000"/>
+            </a:schemeClr>
+          </a:lnRef>
+          <a:fillRef idx="1">
+            <a:schemeClr val="dk1"/>
+          </a:fillRef>
+          <a:effectRef idx="0">
+            <a:schemeClr val="dk1"/>
+          </a:effectRef>
+          <a:fontRef idx="minor">
+            <a:schemeClr val="lt1"/>
+          </a:fontRef>
+        </p:style>
+        <p:txBody>
+          <a:bodyPr rtlCol="0" anchor="ctr"/>
+          <a:lstStyle/>
+          <a:p>
+            <a:pPr algn="ctr"/>
+            <a:endParaRPr lang="en-US"/>
+          </a:p>
+        </p:txBody>
+      </p:sp>
+      <p:sp>
+        <p:nvSpPr>
+          <p:cNvPr id="129" name="Round Diagonal Corner Rectangle 128">
+            <a:extLst>
+              <a:ext uri="{FF2B5EF4-FFF2-40B4-BE49-F238E27FC236}">
+                <a16:creationId xmlns:a16="http://schemas.microsoft.com/office/drawing/2014/main" id="{F75830A5-D9C7-8C45-9AAC-4CCC754B5E54}"/>
+              </a:ext>
+            </a:extLst>
+          </p:cNvPr>
+          <p:cNvSpPr/>
+          <p:nvPr/>
+        </p:nvSpPr>
+        <p:spPr>
+          <a:xfrm>
+            <a:off x="9495547" y="5306957"/>
+            <a:ext cx="621792" cy="740664"/>
+          </a:xfrm>
+          <a:prstGeom prst="round2DiagRect">
+            <a:avLst/>
+          </a:prstGeom>
+        </p:spPr>
+        <p:style>
+          <a:lnRef idx="2">
+            <a:schemeClr val="accent1">
+              <a:shade val="50000"/>
+            </a:schemeClr>
+          </a:lnRef>
+          <a:fillRef idx="1">
+            <a:schemeClr val="accent1"/>
+          </a:fillRef>
+          <a:effectRef idx="0">
+            <a:schemeClr val="accent1"/>
+          </a:effectRef>
+          <a:fontRef idx="minor">
+            <a:schemeClr val="lt1"/>
+          </a:fontRef>
+        </p:style>
+        <p:txBody>
+          <a:bodyPr rtlCol="0" anchor="ctr"/>
+          <a:lstStyle/>
+          <a:p>
+            <a:pPr algn="ctr"/>
+            <a:endParaRPr lang="en-US"/>
+          </a:p>
+        </p:txBody>
+      </p:sp>
+      <p:sp>
+        <p:nvSpPr>
+          <p:cNvPr id="130" name="TextBox 129">
+            <a:extLst>
+              <a:ext uri="{FF2B5EF4-FFF2-40B4-BE49-F238E27FC236}">
+                <a16:creationId xmlns:a16="http://schemas.microsoft.com/office/drawing/2014/main" id="{D37F1BB5-0E3A-5146-9486-1A354DF2A5BA}"/>
+              </a:ext>
+            </a:extLst>
+          </p:cNvPr>
+          <p:cNvSpPr txBox="1"/>
+          <p:nvPr/>
+        </p:nvSpPr>
+        <p:spPr>
+          <a:xfrm>
+            <a:off x="7002942" y="6124645"/>
+            <a:ext cx="1467958" cy="369332"/>
+          </a:xfrm>
+          <a:prstGeom prst="rect">
+            <a:avLst/>
+          </a:prstGeom>
+          <a:noFill/>
+        </p:spPr>
+        <p:txBody>
+          <a:bodyPr wrap="square" rtlCol="0">
+            <a:spAutoFit/>
+          </a:bodyPr>
+          <a:lstStyle/>
+          <a:p>
+            <a:r>
+              <a:rPr lang="en-US" dirty="0" err="1"/>
+              <a:t>Código</a:t>
+            </a:r>
+            <a:r>
+              <a:rPr lang="en-US" dirty="0"/>
+              <a:t> </a:t>
+            </a:r>
+            <a:r>
+              <a:rPr lang="en-US" dirty="0" err="1"/>
+              <a:t>fonte</a:t>
+            </a:r>
+            <a:endParaRPr lang="en-US" dirty="0"/>
+          </a:p>
+        </p:txBody>
+      </p:sp>
+      <p:sp>
+        <p:nvSpPr>
+          <p:cNvPr id="131" name="TextBox 130">
+            <a:extLst>
+              <a:ext uri="{FF2B5EF4-FFF2-40B4-BE49-F238E27FC236}">
+                <a16:creationId xmlns:a16="http://schemas.microsoft.com/office/drawing/2014/main" id="{F9007645-27D2-AA45-8E88-F603A754A72D}"/>
+              </a:ext>
+            </a:extLst>
+          </p:cNvPr>
+          <p:cNvSpPr txBox="1"/>
+          <p:nvPr/>
+        </p:nvSpPr>
+        <p:spPr>
+          <a:xfrm>
+            <a:off x="9342066" y="6118268"/>
+            <a:ext cx="945589" cy="369332"/>
+          </a:xfrm>
+          <a:prstGeom prst="rect">
+            <a:avLst/>
+          </a:prstGeom>
+          <a:noFill/>
+        </p:spPr>
+        <p:txBody>
+          <a:bodyPr wrap="square" rtlCol="0">
+            <a:spAutoFit/>
+          </a:bodyPr>
+          <a:lstStyle/>
+          <a:p>
+            <a:r>
+              <a:rPr lang="en-US" dirty="0"/>
+              <a:t>Sistema</a:t>
+            </a:r>
+          </a:p>
+        </p:txBody>
+      </p:sp>
+      <p:sp>
+        <p:nvSpPr>
+          <p:cNvPr id="133" name="Right Arrow 132">
+            <a:extLst>
+              <a:ext uri="{FF2B5EF4-FFF2-40B4-BE49-F238E27FC236}">
+                <a16:creationId xmlns:a16="http://schemas.microsoft.com/office/drawing/2014/main" id="{3771B6DD-0172-3D48-AA90-65497F9398D7}"/>
+              </a:ext>
+            </a:extLst>
+          </p:cNvPr>
+          <p:cNvSpPr/>
+          <p:nvPr/>
+        </p:nvSpPr>
+        <p:spPr>
+          <a:xfrm>
+            <a:off x="10287655" y="5388045"/>
+            <a:ext cx="788439" cy="673100"/>
+          </a:xfrm>
+          <a:prstGeom prst="rightArrow">
+            <a:avLst/>
+          </a:prstGeom>
+        </p:spPr>
+        <p:style>
+          <a:lnRef idx="2">
+            <a:schemeClr val="dk1">
+              <a:shade val="50000"/>
+            </a:schemeClr>
+          </a:lnRef>
+          <a:fillRef idx="1">
+            <a:schemeClr val="dk1"/>
+          </a:fillRef>
+          <a:effectRef idx="0">
+            <a:schemeClr val="dk1"/>
+          </a:effectRef>
+          <a:fontRef idx="minor">
+            <a:schemeClr val="lt1"/>
+          </a:fontRef>
+        </p:style>
+        <p:txBody>
+          <a:bodyPr rtlCol="0" anchor="ctr"/>
+          <a:lstStyle/>
+          <a:p>
+            <a:pPr algn="ctr"/>
+            <a:endParaRPr lang="en-US"/>
+          </a:p>
+        </p:txBody>
+      </p:sp>
+      <p:sp>
+        <p:nvSpPr>
+          <p:cNvPr id="134" name="Round Diagonal Corner Rectangle 133">
+            <a:extLst>
+              <a:ext uri="{FF2B5EF4-FFF2-40B4-BE49-F238E27FC236}">
+                <a16:creationId xmlns:a16="http://schemas.microsoft.com/office/drawing/2014/main" id="{57DBA128-D0DB-1740-9425-0D42B148BACC}"/>
+              </a:ext>
+            </a:extLst>
+          </p:cNvPr>
+          <p:cNvSpPr/>
+          <p:nvPr/>
+        </p:nvSpPr>
+        <p:spPr>
+          <a:xfrm>
+            <a:off x="11253433" y="5348590"/>
+            <a:ext cx="621792" cy="740664"/>
+          </a:xfrm>
+          <a:prstGeom prst="round2DiagRect">
+            <a:avLst/>
+          </a:prstGeom>
+          <a:noFill/>
+          <a:ln w="38100">
+            <a:solidFill>
+              <a:schemeClr val="tx1"/>
+            </a:solidFill>
+          </a:ln>
+        </p:spPr>
+        <p:style>
+          <a:lnRef idx="2">
+            <a:schemeClr val="accent6"/>
+          </a:lnRef>
+          <a:fillRef idx="1">
+            <a:schemeClr val="lt1"/>
+          </a:fillRef>
+          <a:effectRef idx="0">
+            <a:schemeClr val="accent6"/>
+          </a:effectRef>
+          <a:fontRef idx="minor">
+            <a:schemeClr val="dk1"/>
+          </a:fontRef>
+        </p:style>
+        <p:txBody>
+          <a:bodyPr rtlCol="0" anchor="ctr"/>
+          <a:lstStyle/>
+          <a:p>
+            <a:pPr algn="ctr"/>
+            <a:endParaRPr lang="en-US"/>
+          </a:p>
+        </p:txBody>
+      </p:sp>
+      <p:sp>
+        <p:nvSpPr>
+          <p:cNvPr id="135" name="TextBox 134">
+            <a:extLst>
+              <a:ext uri="{FF2B5EF4-FFF2-40B4-BE49-F238E27FC236}">
+                <a16:creationId xmlns:a16="http://schemas.microsoft.com/office/drawing/2014/main" id="{6CA3544A-7C39-5E4F-AB38-F7251976BF0A}"/>
+              </a:ext>
+            </a:extLst>
+          </p:cNvPr>
+          <p:cNvSpPr txBox="1"/>
+          <p:nvPr/>
+        </p:nvSpPr>
+        <p:spPr>
+          <a:xfrm>
+            <a:off x="11253433" y="5511800"/>
+            <a:ext cx="621791" cy="369332"/>
+          </a:xfrm>
+          <a:prstGeom prst="rect">
+            <a:avLst/>
+          </a:prstGeom>
+          <a:noFill/>
+        </p:spPr>
+        <p:txBody>
+          <a:bodyPr wrap="square" rtlCol="0">
+            <a:spAutoFit/>
+          </a:bodyPr>
+          <a:lstStyle/>
+          <a:p>
+            <a:r>
+              <a:rPr lang="en-US" dirty="0" err="1"/>
+              <a:t>Erro</a:t>
+            </a:r>
+            <a:endParaRPr lang="en-US" dirty="0"/>
+          </a:p>
+        </p:txBody>
+      </p:sp>
       <p:pic>
         <p:nvPicPr>
-          <p:cNvPr id="4" name="Picture 2" descr="Resultado de imagem para logo ipt">
-            <a:extLst>
-              <a:ext uri="{FF2B5EF4-FFF2-40B4-BE49-F238E27FC236}">
-                <a16:creationId xmlns:a16="http://schemas.microsoft.com/office/drawing/2014/main" id="{50E295EB-FDD5-CC43-91A4-846B44810396}"/>
+          <p:cNvPr id="136" name="Picture 2" descr="Resultado de imagem para logo ipt">
+            <a:extLst>
+              <a:ext uri="{FF2B5EF4-FFF2-40B4-BE49-F238E27FC236}">
+                <a16:creationId xmlns:a16="http://schemas.microsoft.com/office/drawing/2014/main" id="{F36824C3-5B0E-9A4C-8829-1E30642EC36B}"/>
               </a:ext>
             </a:extLst>
           </p:cNvPr>
@@ -5993,463 +8626,10 @@
           </a:extLst>
         </p:spPr>
       </p:pic>
-      <p:pic>
-        <p:nvPicPr>
-          <p:cNvPr id="21" name="Content Placeholder 20">
-            <a:extLst>
-              <a:ext uri="{FF2B5EF4-FFF2-40B4-BE49-F238E27FC236}">
-                <a16:creationId xmlns:a16="http://schemas.microsoft.com/office/drawing/2014/main" id="{AA9622A5-2D7D-1242-8DA6-F991AD1064FE}"/>
-              </a:ext>
-            </a:extLst>
-          </p:cNvPr>
-          <p:cNvPicPr>
-            <a:picLocks noGrp="1" noChangeAspect="1"/>
-          </p:cNvPicPr>
-          <p:nvPr>
-            <p:ph idx="1"/>
-          </p:nvPr>
-        </p:nvPicPr>
-        <p:blipFill>
-          <a:blip r:embed="rId3"/>
-          <a:stretch>
-            <a:fillRect/>
-          </a:stretch>
-        </p:blipFill>
-        <p:spPr>
-          <a:xfrm>
-            <a:off x="4364489" y="2432727"/>
-            <a:ext cx="969922" cy="1390552"/>
-          </a:xfrm>
-        </p:spPr>
-      </p:pic>
-      <p:pic>
-        <p:nvPicPr>
-          <p:cNvPr id="23" name="Picture 22">
-            <a:extLst>
-              <a:ext uri="{FF2B5EF4-FFF2-40B4-BE49-F238E27FC236}">
-                <a16:creationId xmlns:a16="http://schemas.microsoft.com/office/drawing/2014/main" id="{0E39F619-86EE-1940-9100-3FEAC92CFA4F}"/>
-              </a:ext>
-            </a:extLst>
-          </p:cNvPr>
-          <p:cNvPicPr>
-            <a:picLocks noChangeAspect="1"/>
-          </p:cNvPicPr>
-          <p:nvPr/>
-        </p:nvPicPr>
-        <p:blipFill>
-          <a:blip r:embed="rId4"/>
-          <a:stretch>
-            <a:fillRect/>
-          </a:stretch>
-        </p:blipFill>
-        <p:spPr>
-          <a:xfrm rot="19969691">
-            <a:off x="5563936" y="2676808"/>
-            <a:ext cx="805971" cy="716419"/>
-          </a:xfrm>
-          <a:prstGeom prst="rect">
-            <a:avLst/>
-          </a:prstGeom>
-        </p:spPr>
-      </p:pic>
-      <p:pic>
-        <p:nvPicPr>
-          <p:cNvPr id="25" name="Picture 24">
-            <a:extLst>
-              <a:ext uri="{FF2B5EF4-FFF2-40B4-BE49-F238E27FC236}">
-                <a16:creationId xmlns:a16="http://schemas.microsoft.com/office/drawing/2014/main" id="{D3C2354E-1623-9740-88D7-DF71F56A2225}"/>
-              </a:ext>
-            </a:extLst>
-          </p:cNvPr>
-          <p:cNvPicPr>
-            <a:picLocks noChangeAspect="1"/>
-          </p:cNvPicPr>
-          <p:nvPr/>
-        </p:nvPicPr>
-        <p:blipFill>
-          <a:blip r:embed="rId5"/>
-          <a:stretch>
-            <a:fillRect/>
-          </a:stretch>
-        </p:blipFill>
-        <p:spPr>
-          <a:xfrm>
-            <a:off x="6614795" y="2490536"/>
-            <a:ext cx="1142385" cy="1047186"/>
-          </a:xfrm>
-          <a:prstGeom prst="rect">
-            <a:avLst/>
-          </a:prstGeom>
-        </p:spPr>
-      </p:pic>
-      <p:pic>
-        <p:nvPicPr>
-          <p:cNvPr id="29" name="Picture 28">
-            <a:extLst>
-              <a:ext uri="{FF2B5EF4-FFF2-40B4-BE49-F238E27FC236}">
-                <a16:creationId xmlns:a16="http://schemas.microsoft.com/office/drawing/2014/main" id="{9C5D871B-2E0E-AA41-A392-7F6B27E34961}"/>
-              </a:ext>
-            </a:extLst>
-          </p:cNvPr>
-          <p:cNvPicPr>
-            <a:picLocks noChangeAspect="1"/>
-          </p:cNvPicPr>
-          <p:nvPr/>
-        </p:nvPicPr>
-        <p:blipFill>
-          <a:blip r:embed="rId6"/>
-          <a:stretch>
-            <a:fillRect/>
-          </a:stretch>
-        </p:blipFill>
-        <p:spPr>
-          <a:xfrm>
-            <a:off x="6489015" y="4730763"/>
-            <a:ext cx="1302341" cy="1613770"/>
-          </a:xfrm>
-          <a:prstGeom prst="rect">
-            <a:avLst/>
-          </a:prstGeom>
-        </p:spPr>
-      </p:pic>
-      <p:pic>
-        <p:nvPicPr>
-          <p:cNvPr id="30" name="Picture 29">
-            <a:extLst>
-              <a:ext uri="{FF2B5EF4-FFF2-40B4-BE49-F238E27FC236}">
-                <a16:creationId xmlns:a16="http://schemas.microsoft.com/office/drawing/2014/main" id="{44B4C822-1ADC-B943-B15C-6B49951036A6}"/>
-              </a:ext>
-            </a:extLst>
-          </p:cNvPr>
-          <p:cNvPicPr>
-            <a:picLocks noChangeAspect="1"/>
-          </p:cNvPicPr>
-          <p:nvPr/>
-        </p:nvPicPr>
-        <p:blipFill>
-          <a:blip r:embed="rId4"/>
-          <a:stretch>
-            <a:fillRect/>
-          </a:stretch>
-        </p:blipFill>
-        <p:spPr>
-          <a:xfrm rot="19887244">
-            <a:off x="3208307" y="2726793"/>
-            <a:ext cx="864623" cy="768554"/>
-          </a:xfrm>
-          <a:prstGeom prst="rect">
-            <a:avLst/>
-          </a:prstGeom>
-        </p:spPr>
-      </p:pic>
-      <p:pic>
-        <p:nvPicPr>
-          <p:cNvPr id="31" name="Content Placeholder 20">
-            <a:extLst>
-              <a:ext uri="{FF2B5EF4-FFF2-40B4-BE49-F238E27FC236}">
-                <a16:creationId xmlns:a16="http://schemas.microsoft.com/office/drawing/2014/main" id="{5C6420EF-26DB-8945-8FCE-995E47EE9BAA}"/>
-              </a:ext>
-            </a:extLst>
-          </p:cNvPr>
-          <p:cNvPicPr>
-            <a:picLocks noChangeAspect="1"/>
-          </p:cNvPicPr>
-          <p:nvPr/>
-        </p:nvPicPr>
-        <p:blipFill>
-          <a:blip r:embed="rId3"/>
-          <a:stretch>
-            <a:fillRect/>
-          </a:stretch>
-        </p:blipFill>
-        <p:spPr>
-          <a:xfrm>
-            <a:off x="1946826" y="2564011"/>
-            <a:ext cx="969922" cy="1390552"/>
-          </a:xfrm>
-          <a:prstGeom prst="rect">
-            <a:avLst/>
-          </a:prstGeom>
-        </p:spPr>
-      </p:pic>
-      <p:pic>
-        <p:nvPicPr>
-          <p:cNvPr id="32" name="Picture 31">
-            <a:extLst>
-              <a:ext uri="{FF2B5EF4-FFF2-40B4-BE49-F238E27FC236}">
-                <a16:creationId xmlns:a16="http://schemas.microsoft.com/office/drawing/2014/main" id="{F0359D98-EE89-4B4C-B934-79D568CB035D}"/>
-              </a:ext>
-            </a:extLst>
-          </p:cNvPr>
-          <p:cNvPicPr>
-            <a:picLocks noChangeAspect="1"/>
-          </p:cNvPicPr>
-          <p:nvPr/>
-        </p:nvPicPr>
-        <p:blipFill>
-          <a:blip r:embed="rId4"/>
-          <a:stretch>
-            <a:fillRect/>
-          </a:stretch>
-        </p:blipFill>
-        <p:spPr>
-          <a:xfrm rot="3677634">
-            <a:off x="6737077" y="3819597"/>
-            <a:ext cx="864623" cy="768554"/>
-          </a:xfrm>
-          <a:prstGeom prst="rect">
-            <a:avLst/>
-          </a:prstGeom>
-        </p:spPr>
-      </p:pic>
-      <p:sp>
-        <p:nvSpPr>
-          <p:cNvPr id="33" name="TextBox 32">
-            <a:extLst>
-              <a:ext uri="{FF2B5EF4-FFF2-40B4-BE49-F238E27FC236}">
-                <a16:creationId xmlns:a16="http://schemas.microsoft.com/office/drawing/2014/main" id="{1BEC9AEB-10EF-894B-9D89-73DDDDDF2B3C}"/>
-              </a:ext>
-            </a:extLst>
-          </p:cNvPr>
-          <p:cNvSpPr txBox="1"/>
-          <p:nvPr/>
-        </p:nvSpPr>
-        <p:spPr>
-          <a:xfrm>
-            <a:off x="2696056" y="3581577"/>
-            <a:ext cx="2573866" cy="646331"/>
-          </a:xfrm>
-          <a:prstGeom prst="rect">
-            <a:avLst/>
-          </a:prstGeom>
-          <a:noFill/>
-        </p:spPr>
-        <p:txBody>
-          <a:bodyPr wrap="square" rtlCol="0">
-            <a:spAutoFit/>
-          </a:bodyPr>
-          <a:lstStyle/>
-          <a:p>
-            <a:r>
-              <a:rPr lang="en-US" b="1" dirty="0" err="1"/>
-              <a:t>Pré-processamento</a:t>
-            </a:r>
-            <a:r>
-              <a:rPr lang="en-US" b="1" dirty="0"/>
-              <a:t> para </a:t>
-            </a:r>
-            <a:r>
-              <a:rPr lang="en-US" b="1" dirty="0" err="1"/>
-              <a:t>extração</a:t>
-            </a:r>
-            <a:r>
-              <a:rPr lang="en-US" b="1" dirty="0"/>
-              <a:t> dos </a:t>
-            </a:r>
-            <a:r>
-              <a:rPr lang="en-US" b="1" dirty="0" err="1"/>
-              <a:t>atributos</a:t>
-            </a:r>
-            <a:endParaRPr lang="en-US" b="1" dirty="0"/>
-          </a:p>
-        </p:txBody>
-      </p:sp>
-      <p:sp>
-        <p:nvSpPr>
-          <p:cNvPr id="34" name="TextBox 33">
-            <a:extLst>
-              <a:ext uri="{FF2B5EF4-FFF2-40B4-BE49-F238E27FC236}">
-                <a16:creationId xmlns:a16="http://schemas.microsoft.com/office/drawing/2014/main" id="{87C042E5-8560-074E-AC1A-3AD225E8127A}"/>
-              </a:ext>
-            </a:extLst>
-          </p:cNvPr>
-          <p:cNvSpPr txBox="1"/>
-          <p:nvPr/>
-        </p:nvSpPr>
-        <p:spPr>
-          <a:xfrm>
-            <a:off x="7882960" y="2841393"/>
-            <a:ext cx="2573866" cy="369332"/>
-          </a:xfrm>
-          <a:prstGeom prst="rect">
-            <a:avLst/>
-          </a:prstGeom>
-          <a:noFill/>
-        </p:spPr>
-        <p:txBody>
-          <a:bodyPr wrap="square" rtlCol="0">
-            <a:spAutoFit/>
-          </a:bodyPr>
-          <a:lstStyle/>
-          <a:p>
-            <a:r>
-              <a:rPr lang="en-US" b="1" dirty="0" err="1"/>
-              <a:t>Modelo</a:t>
-            </a:r>
-            <a:r>
-              <a:rPr lang="en-US" b="1" dirty="0"/>
-              <a:t> </a:t>
-            </a:r>
-            <a:r>
-              <a:rPr lang="en-US" b="1" dirty="0" err="1"/>
-              <a:t>treinado</a:t>
-            </a:r>
-            <a:endParaRPr lang="en-US" b="1" dirty="0"/>
-          </a:p>
-        </p:txBody>
-      </p:sp>
-      <p:sp>
-        <p:nvSpPr>
-          <p:cNvPr id="35" name="TextBox 34">
-            <a:extLst>
-              <a:ext uri="{FF2B5EF4-FFF2-40B4-BE49-F238E27FC236}">
-                <a16:creationId xmlns:a16="http://schemas.microsoft.com/office/drawing/2014/main" id="{952D6653-285D-F048-973B-124228525292}"/>
-              </a:ext>
-            </a:extLst>
-          </p:cNvPr>
-          <p:cNvSpPr txBox="1"/>
-          <p:nvPr/>
-        </p:nvSpPr>
-        <p:spPr>
-          <a:xfrm>
-            <a:off x="510239" y="1917680"/>
-            <a:ext cx="2573866" cy="646331"/>
-          </a:xfrm>
-          <a:prstGeom prst="rect">
-            <a:avLst/>
-          </a:prstGeom>
-          <a:noFill/>
-        </p:spPr>
-        <p:txBody>
-          <a:bodyPr wrap="square" rtlCol="0">
-            <a:spAutoFit/>
-          </a:bodyPr>
-          <a:lstStyle/>
-          <a:p>
-            <a:pPr algn="ctr"/>
-            <a:r>
-              <a:rPr lang="en-US" b="1" dirty="0" err="1"/>
-              <a:t>Submissões</a:t>
-            </a:r>
-            <a:r>
-              <a:rPr lang="en-US" b="1" dirty="0"/>
-              <a:t> dos </a:t>
-            </a:r>
-            <a:r>
-              <a:rPr lang="en-US" b="1" dirty="0" err="1"/>
-              <a:t>alunos</a:t>
-            </a:r>
-            <a:endParaRPr lang="en-US" b="1" dirty="0"/>
-          </a:p>
-          <a:p>
-            <a:pPr algn="ctr"/>
-            <a:r>
-              <a:rPr lang="en-US" b="1" dirty="0" err="1"/>
-              <a:t>em</a:t>
-            </a:r>
-            <a:r>
-              <a:rPr lang="en-US" b="1" dirty="0"/>
-              <a:t> Python</a:t>
-            </a:r>
-          </a:p>
-        </p:txBody>
-      </p:sp>
-      <p:sp>
-        <p:nvSpPr>
-          <p:cNvPr id="36" name="TextBox 35">
-            <a:extLst>
-              <a:ext uri="{FF2B5EF4-FFF2-40B4-BE49-F238E27FC236}">
-                <a16:creationId xmlns:a16="http://schemas.microsoft.com/office/drawing/2014/main" id="{021675AE-620C-7847-ACC3-17DF7A90C31A}"/>
-              </a:ext>
-            </a:extLst>
-          </p:cNvPr>
-          <p:cNvSpPr txBox="1"/>
-          <p:nvPr/>
-        </p:nvSpPr>
-        <p:spPr>
-          <a:xfrm>
-            <a:off x="7452906" y="5537648"/>
-            <a:ext cx="2573866" cy="369332"/>
-          </a:xfrm>
-          <a:prstGeom prst="rect">
-            <a:avLst/>
-          </a:prstGeom>
-          <a:noFill/>
-        </p:spPr>
-        <p:txBody>
-          <a:bodyPr wrap="square" rtlCol="0">
-            <a:spAutoFit/>
-          </a:bodyPr>
-          <a:lstStyle/>
-          <a:p>
-            <a:pPr algn="ctr"/>
-            <a:r>
-              <a:rPr lang="en-US" b="1" dirty="0" err="1"/>
-              <a:t>Resposta</a:t>
-            </a:r>
-            <a:endParaRPr lang="en-US" b="1" dirty="0"/>
-          </a:p>
-        </p:txBody>
-      </p:sp>
-      <p:sp>
-        <p:nvSpPr>
-          <p:cNvPr id="37" name="TextBox 36">
-            <a:extLst>
-              <a:ext uri="{FF2B5EF4-FFF2-40B4-BE49-F238E27FC236}">
-                <a16:creationId xmlns:a16="http://schemas.microsoft.com/office/drawing/2014/main" id="{CDD587DF-64B1-8247-9271-427469D3F94F}"/>
-              </a:ext>
-            </a:extLst>
-          </p:cNvPr>
-          <p:cNvSpPr txBox="1"/>
-          <p:nvPr/>
-        </p:nvSpPr>
-        <p:spPr>
-          <a:xfrm>
-            <a:off x="510239" y="5722314"/>
-            <a:ext cx="4759683" cy="646331"/>
-          </a:xfrm>
-          <a:prstGeom prst="rect">
-            <a:avLst/>
-          </a:prstGeom>
-          <a:noFill/>
-        </p:spPr>
-        <p:txBody>
-          <a:bodyPr wrap="square" rtlCol="0">
-            <a:spAutoFit/>
-          </a:bodyPr>
-          <a:lstStyle/>
-          <a:p>
-            <a:r>
-              <a:rPr lang="en-US" i="1" dirty="0" err="1"/>
-              <a:t>Adaptação</a:t>
-            </a:r>
-            <a:r>
-              <a:rPr lang="en-US" i="1" dirty="0"/>
-              <a:t> da </a:t>
-            </a:r>
-            <a:r>
-              <a:rPr lang="en-US" i="1" dirty="0" err="1"/>
-              <a:t>Figura</a:t>
-            </a:r>
-            <a:r>
-              <a:rPr lang="en-US" i="1" dirty="0"/>
-              <a:t> 2 do </a:t>
-            </a:r>
-            <a:r>
-              <a:rPr lang="en-US" i="1" dirty="0" err="1"/>
-              <a:t>artigo</a:t>
-            </a:r>
-            <a:r>
-              <a:rPr lang="en-US" i="1" dirty="0"/>
-              <a:t> de Bhatia (2016)</a:t>
-            </a:r>
-          </a:p>
-        </p:txBody>
-      </p:sp>
     </p:spTree>
     <p:extLst>
       <p:ext uri="{BB962C8B-B14F-4D97-AF65-F5344CB8AC3E}">
-        <p14:creationId xmlns:p14="http://schemas.microsoft.com/office/powerpoint/2010/main" val="3420152451"/>
+        <p14:creationId xmlns:p14="http://schemas.microsoft.com/office/powerpoint/2010/main" val="2940675899"/>
       </p:ext>
     </p:extLst>
   </p:cSld>
